--- a/Documents/IP_Project.pptx
+++ b/Documents/IP_Project.pptx
@@ -5,10 +5,10 @@
     <p:sldMasterId id="2147483648" r:id="rId4"/>
   </p:sldMasterIdLst>
   <p:notesMasterIdLst>
-    <p:notesMasterId r:id="rId17"/>
+    <p:notesMasterId r:id="rId26"/>
   </p:notesMasterIdLst>
   <p:handoutMasterIdLst>
-    <p:handoutMasterId r:id="rId18"/>
+    <p:handoutMasterId r:id="rId27"/>
   </p:handoutMasterIdLst>
   <p:sldIdLst>
     <p:sldId id="256" r:id="rId5"/>
@@ -21,8 +21,17 @@
     <p:sldId id="294" r:id="rId12"/>
     <p:sldId id="295" r:id="rId13"/>
     <p:sldId id="296" r:id="rId14"/>
-    <p:sldId id="288" r:id="rId15"/>
-    <p:sldId id="285" r:id="rId16"/>
+    <p:sldId id="302" r:id="rId15"/>
+    <p:sldId id="301" r:id="rId16"/>
+    <p:sldId id="303" r:id="rId17"/>
+    <p:sldId id="304" r:id="rId18"/>
+    <p:sldId id="305" r:id="rId19"/>
+    <p:sldId id="288" r:id="rId20"/>
+    <p:sldId id="297" r:id="rId21"/>
+    <p:sldId id="298" r:id="rId22"/>
+    <p:sldId id="299" r:id="rId23"/>
+    <p:sldId id="300" r:id="rId24"/>
+    <p:sldId id="285" r:id="rId25"/>
   </p:sldIdLst>
   <p:sldSz cx="12192000" cy="6858000"/>
   <p:notesSz cx="6858000" cy="9144000"/>
@@ -123,7 +132,7 @@
   </p:defaultTextStyle>
   <p:extLst>
     <p:ext uri="{EFAFB233-063F-42B5-8137-9DF3F51BA10A}">
-      <p15:sldGuideLst xmlns:p15="http://schemas.microsoft.com/office/powerpoint/2012/main">
+      <p15:sldGuideLst xmlns:p15="http://schemas.microsoft.com/office/powerpoint/2012/main" xmlns="">
         <p15:guide id="1" orient="horz" pos="2328" userDrawn="1">
           <p15:clr>
             <a:srgbClr val="A4A3A4"/>
@@ -157,7 +166,7 @@
       </p15:sldGuideLst>
     </p:ext>
     <p:ext uri="{2D200454-40CA-4A62-9FC3-DE9A4176ACB9}">
-      <p15:notesGuideLst xmlns:p15="http://schemas.microsoft.com/office/powerpoint/2012/main"/>
+      <p15:notesGuideLst xmlns:p15="http://schemas.microsoft.com/office/powerpoint/2012/main" xmlns=""/>
     </p:ext>
   </p:extLst>
 </p:presentation>
@@ -168,7 +177,7 @@
   <p:cmAuthor id="1" name="Shyam Nair" initials="SN" lastIdx="1" clrIdx="0">
     <p:extLst>
       <p:ext uri="{19B8F6BF-5375-455C-9EA6-DF929625EA0E}">
-        <p15:presenceInfo xmlns:p15="http://schemas.microsoft.com/office/powerpoint/2012/main" userId="afea9c1828973969" providerId="Windows Live"/>
+        <p15:presenceInfo xmlns:p15="http://schemas.microsoft.com/office/powerpoint/2012/main" xmlns="" userId="afea9c1828973969" providerId="Windows Live"/>
       </p:ext>
     </p:extLst>
   </p:cmAuthor>
@@ -202,7 +211,7 @@
           <p:cNvPr id="2" name="Header Placeholder 1">
             <a:extLst>
               <a:ext uri="{FF2B5EF4-FFF2-40B4-BE49-F238E27FC236}">
-                <a16:creationId xmlns:a16="http://schemas.microsoft.com/office/drawing/2014/main" id="{4465D3EB-CBDD-4100-83B7-3BFE0A8F4119}"/>
+                <a16:creationId xmlns:a16="http://schemas.microsoft.com/office/drawing/2014/main" xmlns="" id="{4465D3EB-CBDD-4100-83B7-3BFE0A8F4119}"/>
               </a:ext>
             </a:extLst>
           </p:cNvPr>
@@ -239,7 +248,7 @@
           <p:cNvPr id="3" name="Date Placeholder 2">
             <a:extLst>
               <a:ext uri="{FF2B5EF4-FFF2-40B4-BE49-F238E27FC236}">
-                <a16:creationId xmlns:a16="http://schemas.microsoft.com/office/drawing/2014/main" id="{C72B4595-A79D-4567-9FE1-DCF31A42B3D9}"/>
+                <a16:creationId xmlns:a16="http://schemas.microsoft.com/office/drawing/2014/main" xmlns="" id="{C72B4595-A79D-4567-9FE1-DCF31A42B3D9}"/>
               </a:ext>
             </a:extLst>
           </p:cNvPr>
@@ -270,7 +279,7 @@
             <a:fld id="{6E5C0719-993D-42E1-80ED-8F01056F36C2}" type="datetimeFigureOut">
               <a:rPr lang="en-US" smtClean="0"/>
               <a:pPr/>
-              <a:t>5/9/2022</a:t>
+              <a:t>5/11/2022</a:t>
             </a:fld>
             <a:endParaRPr lang="en-US" dirty="0"/>
           </a:p>
@@ -281,7 +290,7 @@
           <p:cNvPr id="4" name="Footer Placeholder 3">
             <a:extLst>
               <a:ext uri="{FF2B5EF4-FFF2-40B4-BE49-F238E27FC236}">
-                <a16:creationId xmlns:a16="http://schemas.microsoft.com/office/drawing/2014/main" id="{850E452F-E862-4273-987C-980229E53203}"/>
+                <a16:creationId xmlns:a16="http://schemas.microsoft.com/office/drawing/2014/main" xmlns="" id="{850E452F-E862-4273-987C-980229E53203}"/>
               </a:ext>
             </a:extLst>
           </p:cNvPr>
@@ -318,7 +327,7 @@
           <p:cNvPr id="5" name="Slide Number Placeholder 4">
             <a:extLst>
               <a:ext uri="{FF2B5EF4-FFF2-40B4-BE49-F238E27FC236}">
-                <a16:creationId xmlns:a16="http://schemas.microsoft.com/office/drawing/2014/main" id="{C3EE394C-9AD7-48EA-AB0F-18032A3E097A}"/>
+                <a16:creationId xmlns:a16="http://schemas.microsoft.com/office/drawing/2014/main" xmlns="" id="{C3EE394C-9AD7-48EA-AB0F-18032A3E097A}"/>
               </a:ext>
             </a:extLst>
           </p:cNvPr>
@@ -449,7 +458,7 @@
             <a:fld id="{21D3BC9C-6C58-464F-B94E-FD73C5FB016E}" type="datetimeFigureOut">
               <a:rPr lang="en-US" smtClean="0"/>
               <a:pPr/>
-              <a:t>5/9/2022</a:t>
+              <a:t>5/11/2022</a:t>
             </a:fld>
             <a:endParaRPr lang="en-US" dirty="0"/>
           </a:p>
@@ -868,7 +877,7 @@
             <a:fld id="{BE60DC36-8EFA-4378-9855-E019C55AC472}" type="slidenum">
               <a:rPr lang="en-US" smtClean="0"/>
               <a:pPr/>
-              <a:t>12</a:t>
+              <a:t>21</a:t>
             </a:fld>
             <a:endParaRPr lang="en-US" dirty="0"/>
           </a:p>
@@ -909,7 +918,7 @@
           <p:cNvPr id="2" name="Title 1">
             <a:extLst>
               <a:ext uri="{FF2B5EF4-FFF2-40B4-BE49-F238E27FC236}">
-                <a16:creationId xmlns:a16="http://schemas.microsoft.com/office/drawing/2014/main" id="{8E0F864C-44C4-4000-952D-01F31BFB3FD3}"/>
+                <a16:creationId xmlns:a16="http://schemas.microsoft.com/office/drawing/2014/main" xmlns="" id="{8E0F864C-44C4-4000-952D-01F31BFB3FD3}"/>
               </a:ext>
             </a:extLst>
           </p:cNvPr>
@@ -946,7 +955,7 @@
           <p:cNvPr id="3" name="Subtitle 2">
             <a:extLst>
               <a:ext uri="{FF2B5EF4-FFF2-40B4-BE49-F238E27FC236}">
-                <a16:creationId xmlns:a16="http://schemas.microsoft.com/office/drawing/2014/main" id="{21392E06-C914-467E-9D4F-BD763EDA2DD5}"/>
+                <a16:creationId xmlns:a16="http://schemas.microsoft.com/office/drawing/2014/main" xmlns="" id="{21392E06-C914-467E-9D4F-BD763EDA2DD5}"/>
               </a:ext>
             </a:extLst>
           </p:cNvPr>
@@ -1016,7 +1025,7 @@
           <p:cNvPr id="4" name="Date Placeholder 3">
             <a:extLst>
               <a:ext uri="{FF2B5EF4-FFF2-40B4-BE49-F238E27FC236}">
-                <a16:creationId xmlns:a16="http://schemas.microsoft.com/office/drawing/2014/main" id="{1FBEFBAF-82E9-49AD-B2CF-7D154E024431}"/>
+                <a16:creationId xmlns:a16="http://schemas.microsoft.com/office/drawing/2014/main" xmlns="" id="{1FBEFBAF-82E9-49AD-B2CF-7D154E024431}"/>
               </a:ext>
             </a:extLst>
           </p:cNvPr>
@@ -1035,7 +1044,7 @@
             <a:fld id="{40DA1498-92C7-4E4B-8045-C9195F453964}" type="datetimeFigureOut">
               <a:rPr lang="en-US" smtClean="0"/>
               <a:pPr/>
-              <a:t>5/9/2022</a:t>
+              <a:t>5/11/2022</a:t>
             </a:fld>
             <a:endParaRPr lang="en-US" dirty="0"/>
           </a:p>
@@ -1046,7 +1055,7 @@
           <p:cNvPr id="5" name="Footer Placeholder 4">
             <a:extLst>
               <a:ext uri="{FF2B5EF4-FFF2-40B4-BE49-F238E27FC236}">
-                <a16:creationId xmlns:a16="http://schemas.microsoft.com/office/drawing/2014/main" id="{5AD8006A-94B1-44F7-972D-56767EDE3CC3}"/>
+                <a16:creationId xmlns:a16="http://schemas.microsoft.com/office/drawing/2014/main" xmlns="" id="{5AD8006A-94B1-44F7-972D-56767EDE3CC3}"/>
               </a:ext>
             </a:extLst>
           </p:cNvPr>
@@ -1071,7 +1080,7 @@
           <p:cNvPr id="6" name="Slide Number Placeholder 5">
             <a:extLst>
               <a:ext uri="{FF2B5EF4-FFF2-40B4-BE49-F238E27FC236}">
-                <a16:creationId xmlns:a16="http://schemas.microsoft.com/office/drawing/2014/main" id="{F5E7BFAB-D84B-45E1-A0BD-2516AC14F8AC}"/>
+                <a16:creationId xmlns:a16="http://schemas.microsoft.com/office/drawing/2014/main" xmlns="" id="{F5E7BFAB-D84B-45E1-A0BD-2516AC14F8AC}"/>
               </a:ext>
             </a:extLst>
           </p:cNvPr>
@@ -1131,7 +1140,7 @@
           <p:cNvPr id="2" name="Title 1">
             <a:extLst>
               <a:ext uri="{FF2B5EF4-FFF2-40B4-BE49-F238E27FC236}">
-                <a16:creationId xmlns:a16="http://schemas.microsoft.com/office/drawing/2014/main" id="{65F7B869-BFB2-4C20-8AB1-46704BB3D177}"/>
+                <a16:creationId xmlns:a16="http://schemas.microsoft.com/office/drawing/2014/main" xmlns="" id="{65F7B869-BFB2-4C20-8AB1-46704BB3D177}"/>
               </a:ext>
             </a:extLst>
           </p:cNvPr>
@@ -1159,7 +1168,7 @@
           <p:cNvPr id="3" name="Vertical Text Placeholder 2">
             <a:extLst>
               <a:ext uri="{FF2B5EF4-FFF2-40B4-BE49-F238E27FC236}">
-                <a16:creationId xmlns:a16="http://schemas.microsoft.com/office/drawing/2014/main" id="{19F007DB-4F12-4428-9C48-5120DF07046D}"/>
+                <a16:creationId xmlns:a16="http://schemas.microsoft.com/office/drawing/2014/main" xmlns="" id="{19F007DB-4F12-4428-9C48-5120DF07046D}"/>
               </a:ext>
             </a:extLst>
           </p:cNvPr>
@@ -1216,7 +1225,7 @@
           <p:cNvPr id="4" name="Date Placeholder 3">
             <a:extLst>
               <a:ext uri="{FF2B5EF4-FFF2-40B4-BE49-F238E27FC236}">
-                <a16:creationId xmlns:a16="http://schemas.microsoft.com/office/drawing/2014/main" id="{16FFA8DA-0E31-4CA6-BBFC-2467AAD1D30B}"/>
+                <a16:creationId xmlns:a16="http://schemas.microsoft.com/office/drawing/2014/main" xmlns="" id="{16FFA8DA-0E31-4CA6-BBFC-2467AAD1D30B}"/>
               </a:ext>
             </a:extLst>
           </p:cNvPr>
@@ -1235,7 +1244,7 @@
             <a:fld id="{40DA1498-92C7-4E4B-8045-C9195F453964}" type="datetimeFigureOut">
               <a:rPr lang="en-US" smtClean="0"/>
               <a:pPr/>
-              <a:t>5/9/2022</a:t>
+              <a:t>5/11/2022</a:t>
             </a:fld>
             <a:endParaRPr lang="en-US" dirty="0"/>
           </a:p>
@@ -1246,7 +1255,7 @@
           <p:cNvPr id="5" name="Footer Placeholder 4">
             <a:extLst>
               <a:ext uri="{FF2B5EF4-FFF2-40B4-BE49-F238E27FC236}">
-                <a16:creationId xmlns:a16="http://schemas.microsoft.com/office/drawing/2014/main" id="{064974BD-9845-459A-9AAA-12731E2507C4}"/>
+                <a16:creationId xmlns:a16="http://schemas.microsoft.com/office/drawing/2014/main" xmlns="" id="{064974BD-9845-459A-9AAA-12731E2507C4}"/>
               </a:ext>
             </a:extLst>
           </p:cNvPr>
@@ -1271,7 +1280,7 @@
           <p:cNvPr id="6" name="Slide Number Placeholder 5">
             <a:extLst>
               <a:ext uri="{FF2B5EF4-FFF2-40B4-BE49-F238E27FC236}">
-                <a16:creationId xmlns:a16="http://schemas.microsoft.com/office/drawing/2014/main" id="{C2A71B0A-FDFB-4B2C-A9EC-2334C590013E}"/>
+                <a16:creationId xmlns:a16="http://schemas.microsoft.com/office/drawing/2014/main" xmlns="" id="{C2A71B0A-FDFB-4B2C-A9EC-2334C590013E}"/>
               </a:ext>
             </a:extLst>
           </p:cNvPr>
@@ -1331,7 +1340,7 @@
           <p:cNvPr id="2" name="Vertical Title 1">
             <a:extLst>
               <a:ext uri="{FF2B5EF4-FFF2-40B4-BE49-F238E27FC236}">
-                <a16:creationId xmlns:a16="http://schemas.microsoft.com/office/drawing/2014/main" id="{E60B5D73-1652-4A8E-B5A3-101523D7290A}"/>
+                <a16:creationId xmlns:a16="http://schemas.microsoft.com/office/drawing/2014/main" xmlns="" id="{E60B5D73-1652-4A8E-B5A3-101523D7290A}"/>
               </a:ext>
             </a:extLst>
           </p:cNvPr>
@@ -1364,7 +1373,7 @@
           <p:cNvPr id="3" name="Vertical Text Placeholder 2">
             <a:extLst>
               <a:ext uri="{FF2B5EF4-FFF2-40B4-BE49-F238E27FC236}">
-                <a16:creationId xmlns:a16="http://schemas.microsoft.com/office/drawing/2014/main" id="{A9B7FB99-7425-444D-B602-01B672BCE8C6}"/>
+                <a16:creationId xmlns:a16="http://schemas.microsoft.com/office/drawing/2014/main" xmlns="" id="{A9B7FB99-7425-444D-B602-01B672BCE8C6}"/>
               </a:ext>
             </a:extLst>
           </p:cNvPr>
@@ -1426,7 +1435,7 @@
           <p:cNvPr id="4" name="Date Placeholder 3">
             <a:extLst>
               <a:ext uri="{FF2B5EF4-FFF2-40B4-BE49-F238E27FC236}">
-                <a16:creationId xmlns:a16="http://schemas.microsoft.com/office/drawing/2014/main" id="{00EEA9C5-552A-48A1-AB54-ED54209B3B48}"/>
+                <a16:creationId xmlns:a16="http://schemas.microsoft.com/office/drawing/2014/main" xmlns="" id="{00EEA9C5-552A-48A1-AB54-ED54209B3B48}"/>
               </a:ext>
             </a:extLst>
           </p:cNvPr>
@@ -1445,7 +1454,7 @@
             <a:fld id="{40DA1498-92C7-4E4B-8045-C9195F453964}" type="datetimeFigureOut">
               <a:rPr lang="en-US" smtClean="0"/>
               <a:pPr/>
-              <a:t>5/9/2022</a:t>
+              <a:t>5/11/2022</a:t>
             </a:fld>
             <a:endParaRPr lang="en-US" dirty="0"/>
           </a:p>
@@ -1456,7 +1465,7 @@
           <p:cNvPr id="5" name="Footer Placeholder 4">
             <a:extLst>
               <a:ext uri="{FF2B5EF4-FFF2-40B4-BE49-F238E27FC236}">
-                <a16:creationId xmlns:a16="http://schemas.microsoft.com/office/drawing/2014/main" id="{1A83AAA3-4155-48FB-8F00-16DBE0C9C256}"/>
+                <a16:creationId xmlns:a16="http://schemas.microsoft.com/office/drawing/2014/main" xmlns="" id="{1A83AAA3-4155-48FB-8F00-16DBE0C9C256}"/>
               </a:ext>
             </a:extLst>
           </p:cNvPr>
@@ -1481,7 +1490,7 @@
           <p:cNvPr id="6" name="Slide Number Placeholder 5">
             <a:extLst>
               <a:ext uri="{FF2B5EF4-FFF2-40B4-BE49-F238E27FC236}">
-                <a16:creationId xmlns:a16="http://schemas.microsoft.com/office/drawing/2014/main" id="{5D694EAE-CB3C-4DEF-A66D-583C7AAC92D8}"/>
+                <a16:creationId xmlns:a16="http://schemas.microsoft.com/office/drawing/2014/main" xmlns="" id="{5D694EAE-CB3C-4DEF-A66D-583C7AAC92D8}"/>
               </a:ext>
             </a:extLst>
           </p:cNvPr>
@@ -1541,7 +1550,7 @@
           <p:cNvPr id="2" name="Title 1">
             <a:extLst>
               <a:ext uri="{FF2B5EF4-FFF2-40B4-BE49-F238E27FC236}">
-                <a16:creationId xmlns:a16="http://schemas.microsoft.com/office/drawing/2014/main" id="{4C807FBE-061D-452C-A8A6-213063CFD678}"/>
+                <a16:creationId xmlns:a16="http://schemas.microsoft.com/office/drawing/2014/main" xmlns="" id="{4C807FBE-061D-452C-A8A6-213063CFD678}"/>
               </a:ext>
             </a:extLst>
           </p:cNvPr>
@@ -1569,7 +1578,7 @@
           <p:cNvPr id="3" name="Content Placeholder 2">
             <a:extLst>
               <a:ext uri="{FF2B5EF4-FFF2-40B4-BE49-F238E27FC236}">
-                <a16:creationId xmlns:a16="http://schemas.microsoft.com/office/drawing/2014/main" id="{433A3535-1708-499D-B5D2-7D8F9FD182D0}"/>
+                <a16:creationId xmlns:a16="http://schemas.microsoft.com/office/drawing/2014/main" xmlns="" id="{433A3535-1708-499D-B5D2-7D8F9FD182D0}"/>
               </a:ext>
             </a:extLst>
           </p:cNvPr>
@@ -1626,7 +1635,7 @@
           <p:cNvPr id="4" name="Date Placeholder 3">
             <a:extLst>
               <a:ext uri="{FF2B5EF4-FFF2-40B4-BE49-F238E27FC236}">
-                <a16:creationId xmlns:a16="http://schemas.microsoft.com/office/drawing/2014/main" id="{ACB06063-A112-49AB-80C8-504D99ECD771}"/>
+                <a16:creationId xmlns:a16="http://schemas.microsoft.com/office/drawing/2014/main" xmlns="" id="{ACB06063-A112-49AB-80C8-504D99ECD771}"/>
               </a:ext>
             </a:extLst>
           </p:cNvPr>
@@ -1645,7 +1654,7 @@
             <a:fld id="{40DA1498-92C7-4E4B-8045-C9195F453964}" type="datetimeFigureOut">
               <a:rPr lang="en-US" smtClean="0"/>
               <a:pPr/>
-              <a:t>5/9/2022</a:t>
+              <a:t>5/11/2022</a:t>
             </a:fld>
             <a:endParaRPr lang="en-US" dirty="0"/>
           </a:p>
@@ -1656,7 +1665,7 @@
           <p:cNvPr id="5" name="Footer Placeholder 4">
             <a:extLst>
               <a:ext uri="{FF2B5EF4-FFF2-40B4-BE49-F238E27FC236}">
-                <a16:creationId xmlns:a16="http://schemas.microsoft.com/office/drawing/2014/main" id="{6344C8D5-F898-4318-A76D-1FBD87329198}"/>
+                <a16:creationId xmlns:a16="http://schemas.microsoft.com/office/drawing/2014/main" xmlns="" id="{6344C8D5-F898-4318-A76D-1FBD87329198}"/>
               </a:ext>
             </a:extLst>
           </p:cNvPr>
@@ -1681,7 +1690,7 @@
           <p:cNvPr id="6" name="Slide Number Placeholder 5">
             <a:extLst>
               <a:ext uri="{FF2B5EF4-FFF2-40B4-BE49-F238E27FC236}">
-                <a16:creationId xmlns:a16="http://schemas.microsoft.com/office/drawing/2014/main" id="{2976EC76-E8E8-4FFA-B671-7FA2F3EF5DEF}"/>
+                <a16:creationId xmlns:a16="http://schemas.microsoft.com/office/drawing/2014/main" xmlns="" id="{2976EC76-E8E8-4FFA-B671-7FA2F3EF5DEF}"/>
               </a:ext>
             </a:extLst>
           </p:cNvPr>
@@ -1741,7 +1750,7 @@
           <p:cNvPr id="2" name="Title 1">
             <a:extLst>
               <a:ext uri="{FF2B5EF4-FFF2-40B4-BE49-F238E27FC236}">
-                <a16:creationId xmlns:a16="http://schemas.microsoft.com/office/drawing/2014/main" id="{B6C2CABF-E3C1-431A-A69C-D4881CC43F0F}"/>
+                <a16:creationId xmlns:a16="http://schemas.microsoft.com/office/drawing/2014/main" xmlns="" id="{B6C2CABF-E3C1-431A-A69C-D4881CC43F0F}"/>
               </a:ext>
             </a:extLst>
           </p:cNvPr>
@@ -1778,7 +1787,7 @@
           <p:cNvPr id="3" name="Text Placeholder 2">
             <a:extLst>
               <a:ext uri="{FF2B5EF4-FFF2-40B4-BE49-F238E27FC236}">
-                <a16:creationId xmlns:a16="http://schemas.microsoft.com/office/drawing/2014/main" id="{D5584226-69DA-4211-B2C8-C29FD05A4A69}"/>
+                <a16:creationId xmlns:a16="http://schemas.microsoft.com/office/drawing/2014/main" xmlns="" id="{D5584226-69DA-4211-B2C8-C29FD05A4A69}"/>
               </a:ext>
             </a:extLst>
           </p:cNvPr>
@@ -1903,7 +1912,7 @@
           <p:cNvPr id="4" name="Date Placeholder 3">
             <a:extLst>
               <a:ext uri="{FF2B5EF4-FFF2-40B4-BE49-F238E27FC236}">
-                <a16:creationId xmlns:a16="http://schemas.microsoft.com/office/drawing/2014/main" id="{D5FF82DB-B518-40FD-8A66-44B874C055FB}"/>
+                <a16:creationId xmlns:a16="http://schemas.microsoft.com/office/drawing/2014/main" xmlns="" id="{D5FF82DB-B518-40FD-8A66-44B874C055FB}"/>
               </a:ext>
             </a:extLst>
           </p:cNvPr>
@@ -1922,7 +1931,7 @@
             <a:fld id="{40DA1498-92C7-4E4B-8045-C9195F453964}" type="datetimeFigureOut">
               <a:rPr lang="en-US" smtClean="0"/>
               <a:pPr/>
-              <a:t>5/9/2022</a:t>
+              <a:t>5/11/2022</a:t>
             </a:fld>
             <a:endParaRPr lang="en-US" dirty="0"/>
           </a:p>
@@ -1933,7 +1942,7 @@
           <p:cNvPr id="5" name="Footer Placeholder 4">
             <a:extLst>
               <a:ext uri="{FF2B5EF4-FFF2-40B4-BE49-F238E27FC236}">
-                <a16:creationId xmlns:a16="http://schemas.microsoft.com/office/drawing/2014/main" id="{FCC1CCEE-725F-4745-837B-87EFB70E71D8}"/>
+                <a16:creationId xmlns:a16="http://schemas.microsoft.com/office/drawing/2014/main" xmlns="" id="{FCC1CCEE-725F-4745-837B-87EFB70E71D8}"/>
               </a:ext>
             </a:extLst>
           </p:cNvPr>
@@ -1958,7 +1967,7 @@
           <p:cNvPr id="6" name="Slide Number Placeholder 5">
             <a:extLst>
               <a:ext uri="{FF2B5EF4-FFF2-40B4-BE49-F238E27FC236}">
-                <a16:creationId xmlns:a16="http://schemas.microsoft.com/office/drawing/2014/main" id="{C561522A-E0E6-406B-BF30-A7C7A57294BE}"/>
+                <a16:creationId xmlns:a16="http://schemas.microsoft.com/office/drawing/2014/main" xmlns="" id="{C561522A-E0E6-406B-BF30-A7C7A57294BE}"/>
               </a:ext>
             </a:extLst>
           </p:cNvPr>
@@ -2018,7 +2027,7 @@
           <p:cNvPr id="2" name="Title 1">
             <a:extLst>
               <a:ext uri="{FF2B5EF4-FFF2-40B4-BE49-F238E27FC236}">
-                <a16:creationId xmlns:a16="http://schemas.microsoft.com/office/drawing/2014/main" id="{DBCC9BDC-6F21-4EF5-A8DD-E35E27EACA58}"/>
+                <a16:creationId xmlns:a16="http://schemas.microsoft.com/office/drawing/2014/main" xmlns="" id="{DBCC9BDC-6F21-4EF5-A8DD-E35E27EACA58}"/>
               </a:ext>
             </a:extLst>
           </p:cNvPr>
@@ -2046,7 +2055,7 @@
           <p:cNvPr id="3" name="Content Placeholder 2">
             <a:extLst>
               <a:ext uri="{FF2B5EF4-FFF2-40B4-BE49-F238E27FC236}">
-                <a16:creationId xmlns:a16="http://schemas.microsoft.com/office/drawing/2014/main" id="{6B968D5F-2AB6-42D3-A54E-AB3E60325170}"/>
+                <a16:creationId xmlns:a16="http://schemas.microsoft.com/office/drawing/2014/main" xmlns="" id="{6B968D5F-2AB6-42D3-A54E-AB3E60325170}"/>
               </a:ext>
             </a:extLst>
           </p:cNvPr>
@@ -2108,7 +2117,7 @@
           <p:cNvPr id="4" name="Content Placeholder 3">
             <a:extLst>
               <a:ext uri="{FF2B5EF4-FFF2-40B4-BE49-F238E27FC236}">
-                <a16:creationId xmlns:a16="http://schemas.microsoft.com/office/drawing/2014/main" id="{465AB07F-D5F7-402A-AE4E-027BF1CA9127}"/>
+                <a16:creationId xmlns:a16="http://schemas.microsoft.com/office/drawing/2014/main" xmlns="" id="{465AB07F-D5F7-402A-AE4E-027BF1CA9127}"/>
               </a:ext>
             </a:extLst>
           </p:cNvPr>
@@ -2170,7 +2179,7 @@
           <p:cNvPr id="5" name="Date Placeholder 4">
             <a:extLst>
               <a:ext uri="{FF2B5EF4-FFF2-40B4-BE49-F238E27FC236}">
-                <a16:creationId xmlns:a16="http://schemas.microsoft.com/office/drawing/2014/main" id="{85108EDC-3863-43B9-93C7-37465DC73B28}"/>
+                <a16:creationId xmlns:a16="http://schemas.microsoft.com/office/drawing/2014/main" xmlns="" id="{85108EDC-3863-43B9-93C7-37465DC73B28}"/>
               </a:ext>
             </a:extLst>
           </p:cNvPr>
@@ -2189,7 +2198,7 @@
             <a:fld id="{40DA1498-92C7-4E4B-8045-C9195F453964}" type="datetimeFigureOut">
               <a:rPr lang="en-US" smtClean="0"/>
               <a:pPr/>
-              <a:t>5/9/2022</a:t>
+              <a:t>5/11/2022</a:t>
             </a:fld>
             <a:endParaRPr lang="en-US" dirty="0"/>
           </a:p>
@@ -2200,7 +2209,7 @@
           <p:cNvPr id="6" name="Footer Placeholder 5">
             <a:extLst>
               <a:ext uri="{FF2B5EF4-FFF2-40B4-BE49-F238E27FC236}">
-                <a16:creationId xmlns:a16="http://schemas.microsoft.com/office/drawing/2014/main" id="{A777D452-958D-4159-A9A4-16DD29680A04}"/>
+                <a16:creationId xmlns:a16="http://schemas.microsoft.com/office/drawing/2014/main" xmlns="" id="{A777D452-958D-4159-A9A4-16DD29680A04}"/>
               </a:ext>
             </a:extLst>
           </p:cNvPr>
@@ -2225,7 +2234,7 @@
           <p:cNvPr id="7" name="Slide Number Placeholder 6">
             <a:extLst>
               <a:ext uri="{FF2B5EF4-FFF2-40B4-BE49-F238E27FC236}">
-                <a16:creationId xmlns:a16="http://schemas.microsoft.com/office/drawing/2014/main" id="{289654B6-1460-48B9-AC7E-592F68BAB276}"/>
+                <a16:creationId xmlns:a16="http://schemas.microsoft.com/office/drawing/2014/main" xmlns="" id="{289654B6-1460-48B9-AC7E-592F68BAB276}"/>
               </a:ext>
             </a:extLst>
           </p:cNvPr>
@@ -2285,7 +2294,7 @@
           <p:cNvPr id="2" name="Title 1">
             <a:extLst>
               <a:ext uri="{FF2B5EF4-FFF2-40B4-BE49-F238E27FC236}">
-                <a16:creationId xmlns:a16="http://schemas.microsoft.com/office/drawing/2014/main" id="{7EE8C848-926A-4FD3-A311-A100A2662BE1}"/>
+                <a16:creationId xmlns:a16="http://schemas.microsoft.com/office/drawing/2014/main" xmlns="" id="{7EE8C848-926A-4FD3-A311-A100A2662BE1}"/>
               </a:ext>
             </a:extLst>
           </p:cNvPr>
@@ -2318,7 +2327,7 @@
           <p:cNvPr id="3" name="Text Placeholder 2">
             <a:extLst>
               <a:ext uri="{FF2B5EF4-FFF2-40B4-BE49-F238E27FC236}">
-                <a16:creationId xmlns:a16="http://schemas.microsoft.com/office/drawing/2014/main" id="{3C8ECD90-B4F0-4DFB-BB3D-F2310207896F}"/>
+                <a16:creationId xmlns:a16="http://schemas.microsoft.com/office/drawing/2014/main" xmlns="" id="{3C8ECD90-B4F0-4DFB-BB3D-F2310207896F}"/>
               </a:ext>
             </a:extLst>
           </p:cNvPr>
@@ -2389,7 +2398,7 @@
           <p:cNvPr id="4" name="Content Placeholder 3">
             <a:extLst>
               <a:ext uri="{FF2B5EF4-FFF2-40B4-BE49-F238E27FC236}">
-                <a16:creationId xmlns:a16="http://schemas.microsoft.com/office/drawing/2014/main" id="{335A6C3A-033E-474B-AB97-D8291A04E7DD}"/>
+                <a16:creationId xmlns:a16="http://schemas.microsoft.com/office/drawing/2014/main" xmlns="" id="{335A6C3A-033E-474B-AB97-D8291A04E7DD}"/>
               </a:ext>
             </a:extLst>
           </p:cNvPr>
@@ -2451,7 +2460,7 @@
           <p:cNvPr id="5" name="Text Placeholder 4">
             <a:extLst>
               <a:ext uri="{FF2B5EF4-FFF2-40B4-BE49-F238E27FC236}">
-                <a16:creationId xmlns:a16="http://schemas.microsoft.com/office/drawing/2014/main" id="{A532B928-3A23-4FCA-AD1F-E45A467B54F5}"/>
+                <a16:creationId xmlns:a16="http://schemas.microsoft.com/office/drawing/2014/main" xmlns="" id="{A532B928-3A23-4FCA-AD1F-E45A467B54F5}"/>
               </a:ext>
             </a:extLst>
           </p:cNvPr>
@@ -2522,7 +2531,7 @@
           <p:cNvPr id="6" name="Content Placeholder 5">
             <a:extLst>
               <a:ext uri="{FF2B5EF4-FFF2-40B4-BE49-F238E27FC236}">
-                <a16:creationId xmlns:a16="http://schemas.microsoft.com/office/drawing/2014/main" id="{3BDC8376-6FC6-4A11-B0DB-9A148E9C00E2}"/>
+                <a16:creationId xmlns:a16="http://schemas.microsoft.com/office/drawing/2014/main" xmlns="" id="{3BDC8376-6FC6-4A11-B0DB-9A148E9C00E2}"/>
               </a:ext>
             </a:extLst>
           </p:cNvPr>
@@ -2584,7 +2593,7 @@
           <p:cNvPr id="7" name="Date Placeholder 6">
             <a:extLst>
               <a:ext uri="{FF2B5EF4-FFF2-40B4-BE49-F238E27FC236}">
-                <a16:creationId xmlns:a16="http://schemas.microsoft.com/office/drawing/2014/main" id="{6E80206F-8846-425C-A56E-16FFBA442014}"/>
+                <a16:creationId xmlns:a16="http://schemas.microsoft.com/office/drawing/2014/main" xmlns="" id="{6E80206F-8846-425C-A56E-16FFBA442014}"/>
               </a:ext>
             </a:extLst>
           </p:cNvPr>
@@ -2603,7 +2612,7 @@
             <a:fld id="{40DA1498-92C7-4E4B-8045-C9195F453964}" type="datetimeFigureOut">
               <a:rPr lang="en-US" smtClean="0"/>
               <a:pPr/>
-              <a:t>5/9/2022</a:t>
+              <a:t>5/11/2022</a:t>
             </a:fld>
             <a:endParaRPr lang="en-US" dirty="0"/>
           </a:p>
@@ -2614,7 +2623,7 @@
           <p:cNvPr id="8" name="Footer Placeholder 7">
             <a:extLst>
               <a:ext uri="{FF2B5EF4-FFF2-40B4-BE49-F238E27FC236}">
-                <a16:creationId xmlns:a16="http://schemas.microsoft.com/office/drawing/2014/main" id="{6A45E89F-12CF-4561-A5F2-1E05783A3063}"/>
+                <a16:creationId xmlns:a16="http://schemas.microsoft.com/office/drawing/2014/main" xmlns="" id="{6A45E89F-12CF-4561-A5F2-1E05783A3063}"/>
               </a:ext>
             </a:extLst>
           </p:cNvPr>
@@ -2639,7 +2648,7 @@
           <p:cNvPr id="9" name="Slide Number Placeholder 8">
             <a:extLst>
               <a:ext uri="{FF2B5EF4-FFF2-40B4-BE49-F238E27FC236}">
-                <a16:creationId xmlns:a16="http://schemas.microsoft.com/office/drawing/2014/main" id="{9EB4DFE4-927C-43B1-A061-5CB97FFB33BE}"/>
+                <a16:creationId xmlns:a16="http://schemas.microsoft.com/office/drawing/2014/main" xmlns="" id="{9EB4DFE4-927C-43B1-A061-5CB97FFB33BE}"/>
               </a:ext>
             </a:extLst>
           </p:cNvPr>
@@ -2699,7 +2708,7 @@
           <p:cNvPr id="2" name="Title 1">
             <a:extLst>
               <a:ext uri="{FF2B5EF4-FFF2-40B4-BE49-F238E27FC236}">
-                <a16:creationId xmlns:a16="http://schemas.microsoft.com/office/drawing/2014/main" id="{B560E367-8DA0-4655-BCBC-F4280D8642CD}"/>
+                <a16:creationId xmlns:a16="http://schemas.microsoft.com/office/drawing/2014/main" xmlns="" id="{B560E367-8DA0-4655-BCBC-F4280D8642CD}"/>
               </a:ext>
             </a:extLst>
           </p:cNvPr>
@@ -2727,7 +2736,7 @@
           <p:cNvPr id="3" name="Date Placeholder 2">
             <a:extLst>
               <a:ext uri="{FF2B5EF4-FFF2-40B4-BE49-F238E27FC236}">
-                <a16:creationId xmlns:a16="http://schemas.microsoft.com/office/drawing/2014/main" id="{2FEF9592-AA3C-4CF8-A5DB-4D010195A438}"/>
+                <a16:creationId xmlns:a16="http://schemas.microsoft.com/office/drawing/2014/main" xmlns="" id="{2FEF9592-AA3C-4CF8-A5DB-4D010195A438}"/>
               </a:ext>
             </a:extLst>
           </p:cNvPr>
@@ -2746,7 +2755,7 @@
             <a:fld id="{40DA1498-92C7-4E4B-8045-C9195F453964}" type="datetimeFigureOut">
               <a:rPr lang="en-US" smtClean="0"/>
               <a:pPr/>
-              <a:t>5/9/2022</a:t>
+              <a:t>5/11/2022</a:t>
             </a:fld>
             <a:endParaRPr lang="en-US" dirty="0"/>
           </a:p>
@@ -2757,7 +2766,7 @@
           <p:cNvPr id="4" name="Footer Placeholder 3">
             <a:extLst>
               <a:ext uri="{FF2B5EF4-FFF2-40B4-BE49-F238E27FC236}">
-                <a16:creationId xmlns:a16="http://schemas.microsoft.com/office/drawing/2014/main" id="{3C2C9377-F93E-4515-852A-264707755154}"/>
+                <a16:creationId xmlns:a16="http://schemas.microsoft.com/office/drawing/2014/main" xmlns="" id="{3C2C9377-F93E-4515-852A-264707755154}"/>
               </a:ext>
             </a:extLst>
           </p:cNvPr>
@@ -2782,7 +2791,7 @@
           <p:cNvPr id="5" name="Slide Number Placeholder 4">
             <a:extLst>
               <a:ext uri="{FF2B5EF4-FFF2-40B4-BE49-F238E27FC236}">
-                <a16:creationId xmlns:a16="http://schemas.microsoft.com/office/drawing/2014/main" id="{9AED076D-476B-42BA-8795-14FE6C1E6974}"/>
+                <a16:creationId xmlns:a16="http://schemas.microsoft.com/office/drawing/2014/main" xmlns="" id="{9AED076D-476B-42BA-8795-14FE6C1E6974}"/>
               </a:ext>
             </a:extLst>
           </p:cNvPr>
@@ -2842,7 +2851,7 @@
           <p:cNvPr id="2" name="Date Placeholder 1">
             <a:extLst>
               <a:ext uri="{FF2B5EF4-FFF2-40B4-BE49-F238E27FC236}">
-                <a16:creationId xmlns:a16="http://schemas.microsoft.com/office/drawing/2014/main" id="{1EA599B4-6AB2-4190-82B5-7667EE1E922A}"/>
+                <a16:creationId xmlns:a16="http://schemas.microsoft.com/office/drawing/2014/main" xmlns="" id="{1EA599B4-6AB2-4190-82B5-7667EE1E922A}"/>
               </a:ext>
             </a:extLst>
           </p:cNvPr>
@@ -2861,7 +2870,7 @@
             <a:fld id="{40DA1498-92C7-4E4B-8045-C9195F453964}" type="datetimeFigureOut">
               <a:rPr lang="en-US" smtClean="0"/>
               <a:pPr/>
-              <a:t>5/9/2022</a:t>
+              <a:t>5/11/2022</a:t>
             </a:fld>
             <a:endParaRPr lang="en-US" dirty="0"/>
           </a:p>
@@ -2872,7 +2881,7 @@
           <p:cNvPr id="3" name="Footer Placeholder 2">
             <a:extLst>
               <a:ext uri="{FF2B5EF4-FFF2-40B4-BE49-F238E27FC236}">
-                <a16:creationId xmlns:a16="http://schemas.microsoft.com/office/drawing/2014/main" id="{1B8FBFB3-AD86-4E39-B8AE-B4EC14528156}"/>
+                <a16:creationId xmlns:a16="http://schemas.microsoft.com/office/drawing/2014/main" xmlns="" id="{1B8FBFB3-AD86-4E39-B8AE-B4EC14528156}"/>
               </a:ext>
             </a:extLst>
           </p:cNvPr>
@@ -2897,7 +2906,7 @@
           <p:cNvPr id="4" name="Slide Number Placeholder 3">
             <a:extLst>
               <a:ext uri="{FF2B5EF4-FFF2-40B4-BE49-F238E27FC236}">
-                <a16:creationId xmlns:a16="http://schemas.microsoft.com/office/drawing/2014/main" id="{B9A4AF55-C114-4B60-9A20-56B00A11B3BF}"/>
+                <a16:creationId xmlns:a16="http://schemas.microsoft.com/office/drawing/2014/main" xmlns="" id="{B9A4AF55-C114-4B60-9A20-56B00A11B3BF}"/>
               </a:ext>
             </a:extLst>
           </p:cNvPr>
@@ -2957,7 +2966,7 @@
           <p:cNvPr id="2" name="Title 1">
             <a:extLst>
               <a:ext uri="{FF2B5EF4-FFF2-40B4-BE49-F238E27FC236}">
-                <a16:creationId xmlns:a16="http://schemas.microsoft.com/office/drawing/2014/main" id="{70883DA1-5CB8-405D-9613-8A9B7BC5664C}"/>
+                <a16:creationId xmlns:a16="http://schemas.microsoft.com/office/drawing/2014/main" xmlns="" id="{70883DA1-5CB8-405D-9613-8A9B7BC5664C}"/>
               </a:ext>
             </a:extLst>
           </p:cNvPr>
@@ -2994,7 +3003,7 @@
           <p:cNvPr id="3" name="Content Placeholder 2">
             <a:extLst>
               <a:ext uri="{FF2B5EF4-FFF2-40B4-BE49-F238E27FC236}">
-                <a16:creationId xmlns:a16="http://schemas.microsoft.com/office/drawing/2014/main" id="{9842BB15-A24D-42E9-9CAE-BB827226301E}"/>
+                <a16:creationId xmlns:a16="http://schemas.microsoft.com/office/drawing/2014/main" xmlns="" id="{9842BB15-A24D-42E9-9CAE-BB827226301E}"/>
               </a:ext>
             </a:extLst>
           </p:cNvPr>
@@ -3084,7 +3093,7 @@
           <p:cNvPr id="4" name="Text Placeholder 3">
             <a:extLst>
               <a:ext uri="{FF2B5EF4-FFF2-40B4-BE49-F238E27FC236}">
-                <a16:creationId xmlns:a16="http://schemas.microsoft.com/office/drawing/2014/main" id="{78F0849D-D3C3-462A-9751-4EAB0B9145E4}"/>
+                <a16:creationId xmlns:a16="http://schemas.microsoft.com/office/drawing/2014/main" xmlns="" id="{78F0849D-D3C3-462A-9751-4EAB0B9145E4}"/>
               </a:ext>
             </a:extLst>
           </p:cNvPr>
@@ -3155,7 +3164,7 @@
           <p:cNvPr id="5" name="Date Placeholder 4">
             <a:extLst>
               <a:ext uri="{FF2B5EF4-FFF2-40B4-BE49-F238E27FC236}">
-                <a16:creationId xmlns:a16="http://schemas.microsoft.com/office/drawing/2014/main" id="{F180DD20-7A20-4574-98A4-427795876739}"/>
+                <a16:creationId xmlns:a16="http://schemas.microsoft.com/office/drawing/2014/main" xmlns="" id="{F180DD20-7A20-4574-98A4-427795876739}"/>
               </a:ext>
             </a:extLst>
           </p:cNvPr>
@@ -3174,7 +3183,7 @@
             <a:fld id="{40DA1498-92C7-4E4B-8045-C9195F453964}" type="datetimeFigureOut">
               <a:rPr lang="en-US" smtClean="0"/>
               <a:pPr/>
-              <a:t>5/9/2022</a:t>
+              <a:t>5/11/2022</a:t>
             </a:fld>
             <a:endParaRPr lang="en-US" dirty="0"/>
           </a:p>
@@ -3185,7 +3194,7 @@
           <p:cNvPr id="6" name="Footer Placeholder 5">
             <a:extLst>
               <a:ext uri="{FF2B5EF4-FFF2-40B4-BE49-F238E27FC236}">
-                <a16:creationId xmlns:a16="http://schemas.microsoft.com/office/drawing/2014/main" id="{54D0ED2B-71C4-421A-9DB0-676E00C10BDC}"/>
+                <a16:creationId xmlns:a16="http://schemas.microsoft.com/office/drawing/2014/main" xmlns="" id="{54D0ED2B-71C4-421A-9DB0-676E00C10BDC}"/>
               </a:ext>
             </a:extLst>
           </p:cNvPr>
@@ -3210,7 +3219,7 @@
           <p:cNvPr id="7" name="Slide Number Placeholder 6">
             <a:extLst>
               <a:ext uri="{FF2B5EF4-FFF2-40B4-BE49-F238E27FC236}">
-                <a16:creationId xmlns:a16="http://schemas.microsoft.com/office/drawing/2014/main" id="{78C4572A-ADFC-4C53-BCA2-42BDF693BC4D}"/>
+                <a16:creationId xmlns:a16="http://schemas.microsoft.com/office/drawing/2014/main" xmlns="" id="{78C4572A-ADFC-4C53-BCA2-42BDF693BC4D}"/>
               </a:ext>
             </a:extLst>
           </p:cNvPr>
@@ -3270,7 +3279,7 @@
           <p:cNvPr id="2" name="Title 1">
             <a:extLst>
               <a:ext uri="{FF2B5EF4-FFF2-40B4-BE49-F238E27FC236}">
-                <a16:creationId xmlns:a16="http://schemas.microsoft.com/office/drawing/2014/main" id="{028F5C67-EEEC-4AB0-9653-0F80D6B10941}"/>
+                <a16:creationId xmlns:a16="http://schemas.microsoft.com/office/drawing/2014/main" xmlns="" id="{028F5C67-EEEC-4AB0-9653-0F80D6B10941}"/>
               </a:ext>
             </a:extLst>
           </p:cNvPr>
@@ -3307,7 +3316,7 @@
           <p:cNvPr id="3" name="Picture Placeholder 2">
             <a:extLst>
               <a:ext uri="{FF2B5EF4-FFF2-40B4-BE49-F238E27FC236}">
-                <a16:creationId xmlns:a16="http://schemas.microsoft.com/office/drawing/2014/main" id="{1DD50D6D-5277-4324-AF23-5FAF007834EB}"/>
+                <a16:creationId xmlns:a16="http://schemas.microsoft.com/office/drawing/2014/main" xmlns="" id="{1DD50D6D-5277-4324-AF23-5FAF007834EB}"/>
               </a:ext>
             </a:extLst>
           </p:cNvPr>
@@ -3377,7 +3386,7 @@
           <p:cNvPr id="4" name="Text Placeholder 3">
             <a:extLst>
               <a:ext uri="{FF2B5EF4-FFF2-40B4-BE49-F238E27FC236}">
-                <a16:creationId xmlns:a16="http://schemas.microsoft.com/office/drawing/2014/main" id="{75275657-2BF9-4761-96B6-50EE3CFCFAD0}"/>
+                <a16:creationId xmlns:a16="http://schemas.microsoft.com/office/drawing/2014/main" xmlns="" id="{75275657-2BF9-4761-96B6-50EE3CFCFAD0}"/>
               </a:ext>
             </a:extLst>
           </p:cNvPr>
@@ -3448,7 +3457,7 @@
           <p:cNvPr id="5" name="Date Placeholder 4">
             <a:extLst>
               <a:ext uri="{FF2B5EF4-FFF2-40B4-BE49-F238E27FC236}">
-                <a16:creationId xmlns:a16="http://schemas.microsoft.com/office/drawing/2014/main" id="{5C3C3F7B-A4C8-4F9D-8165-BC5186EA0929}"/>
+                <a16:creationId xmlns:a16="http://schemas.microsoft.com/office/drawing/2014/main" xmlns="" id="{5C3C3F7B-A4C8-4F9D-8165-BC5186EA0929}"/>
               </a:ext>
             </a:extLst>
           </p:cNvPr>
@@ -3467,7 +3476,7 @@
             <a:fld id="{40DA1498-92C7-4E4B-8045-C9195F453964}" type="datetimeFigureOut">
               <a:rPr lang="en-US" smtClean="0"/>
               <a:pPr/>
-              <a:t>5/9/2022</a:t>
+              <a:t>5/11/2022</a:t>
             </a:fld>
             <a:endParaRPr lang="en-US" dirty="0"/>
           </a:p>
@@ -3478,7 +3487,7 @@
           <p:cNvPr id="6" name="Footer Placeholder 5">
             <a:extLst>
               <a:ext uri="{FF2B5EF4-FFF2-40B4-BE49-F238E27FC236}">
-                <a16:creationId xmlns:a16="http://schemas.microsoft.com/office/drawing/2014/main" id="{DE696EA5-2FA2-464D-982F-C53E6426A843}"/>
+                <a16:creationId xmlns:a16="http://schemas.microsoft.com/office/drawing/2014/main" xmlns="" id="{DE696EA5-2FA2-464D-982F-C53E6426A843}"/>
               </a:ext>
             </a:extLst>
           </p:cNvPr>
@@ -3503,7 +3512,7 @@
           <p:cNvPr id="7" name="Slide Number Placeholder 6">
             <a:extLst>
               <a:ext uri="{FF2B5EF4-FFF2-40B4-BE49-F238E27FC236}">
-                <a16:creationId xmlns:a16="http://schemas.microsoft.com/office/drawing/2014/main" id="{8911B398-191B-4AB1-86ED-00D0046EACF5}"/>
+                <a16:creationId xmlns:a16="http://schemas.microsoft.com/office/drawing/2014/main" xmlns="" id="{8911B398-191B-4AB1-86ED-00D0046EACF5}"/>
               </a:ext>
             </a:extLst>
           </p:cNvPr>
@@ -3568,7 +3577,7 @@
           <p:cNvPr id="2" name="Title Placeholder 1">
             <a:extLst>
               <a:ext uri="{FF2B5EF4-FFF2-40B4-BE49-F238E27FC236}">
-                <a16:creationId xmlns:a16="http://schemas.microsoft.com/office/drawing/2014/main" id="{7B3445CA-54C1-4DDE-A216-DD2414E3F593}"/>
+                <a16:creationId xmlns:a16="http://schemas.microsoft.com/office/drawing/2014/main" xmlns="" id="{7B3445CA-54C1-4DDE-A216-DD2414E3F593}"/>
               </a:ext>
             </a:extLst>
           </p:cNvPr>
@@ -3606,7 +3615,7 @@
           <p:cNvPr id="3" name="Text Placeholder 2">
             <a:extLst>
               <a:ext uri="{FF2B5EF4-FFF2-40B4-BE49-F238E27FC236}">
-                <a16:creationId xmlns:a16="http://schemas.microsoft.com/office/drawing/2014/main" id="{0306395A-6879-4E93-B24E-067F88AC1D69}"/>
+                <a16:creationId xmlns:a16="http://schemas.microsoft.com/office/drawing/2014/main" xmlns="" id="{0306395A-6879-4E93-B24E-067F88AC1D69}"/>
               </a:ext>
             </a:extLst>
           </p:cNvPr>
@@ -3673,7 +3682,7 @@
           <p:cNvPr id="4" name="Date Placeholder 3">
             <a:extLst>
               <a:ext uri="{FF2B5EF4-FFF2-40B4-BE49-F238E27FC236}">
-                <a16:creationId xmlns:a16="http://schemas.microsoft.com/office/drawing/2014/main" id="{9450FF5B-A6A6-4F0F-AA5D-3F0F69A43AEB}"/>
+                <a16:creationId xmlns:a16="http://schemas.microsoft.com/office/drawing/2014/main" xmlns="" id="{9450FF5B-A6A6-4F0F-AA5D-3F0F69A43AEB}"/>
               </a:ext>
             </a:extLst>
           </p:cNvPr>
@@ -3710,7 +3719,7 @@
             <a:fld id="{40DA1498-92C7-4E4B-8045-C9195F453964}" type="datetimeFigureOut">
               <a:rPr lang="en-US" smtClean="0"/>
               <a:pPr/>
-              <a:t>5/9/2022</a:t>
+              <a:t>5/11/2022</a:t>
             </a:fld>
             <a:endParaRPr lang="en-US" dirty="0"/>
           </a:p>
@@ -3721,7 +3730,7 @@
           <p:cNvPr id="5" name="Footer Placeholder 4">
             <a:extLst>
               <a:ext uri="{FF2B5EF4-FFF2-40B4-BE49-F238E27FC236}">
-                <a16:creationId xmlns:a16="http://schemas.microsoft.com/office/drawing/2014/main" id="{FA798FAA-76CC-42EF-8BE0-466A41BBAB09}"/>
+                <a16:creationId xmlns:a16="http://schemas.microsoft.com/office/drawing/2014/main" xmlns="" id="{FA798FAA-76CC-42EF-8BE0-466A41BBAB09}"/>
               </a:ext>
             </a:extLst>
           </p:cNvPr>
@@ -3764,7 +3773,7 @@
           <p:cNvPr id="6" name="Slide Number Placeholder 5">
             <a:extLst>
               <a:ext uri="{FF2B5EF4-FFF2-40B4-BE49-F238E27FC236}">
-                <a16:creationId xmlns:a16="http://schemas.microsoft.com/office/drawing/2014/main" id="{5149FF02-6890-4E10-B958-1097AD32C6FA}"/>
+                <a16:creationId xmlns:a16="http://schemas.microsoft.com/office/drawing/2014/main" xmlns="" id="{5149FF02-6890-4E10-B958-1097AD32C6FA}"/>
               </a:ext>
             </a:extLst>
           </p:cNvPr>
@@ -4150,7 +4159,7 @@
           <p:cNvPr id="2" name="Title 1">
             <a:extLst>
               <a:ext uri="{FF2B5EF4-FFF2-40B4-BE49-F238E27FC236}">
-                <a16:creationId xmlns:a16="http://schemas.microsoft.com/office/drawing/2014/main" id="{C4300AEF-1595-4419-801B-6E36A33BB8CF}"/>
+                <a16:creationId xmlns:a16="http://schemas.microsoft.com/office/drawing/2014/main" xmlns="" id="{C4300AEF-1595-4419-801B-6E36A33BB8CF}"/>
               </a:ext>
             </a:extLst>
           </p:cNvPr>
@@ -4179,7 +4188,15 @@
                   <a:schemeClr val="bg1"/>
                 </a:solidFill>
               </a:rPr>
-              <a:t>REVIEW 1</a:t>
+              <a:t>REVIEW 3</a:t>
+            </a:r>
+            <a:r>
+              <a:rPr lang="en-US" dirty="0">
+                <a:solidFill>
+                  <a:schemeClr val="bg1"/>
+                </a:solidFill>
+              </a:rPr>
+              <a:t/>
             </a:r>
             <a:br>
               <a:rPr lang="en-US" dirty="0">
@@ -4209,10 +4226,10 @@
           <p:cNvPr id="4" name="Diamond 3">
             <a:extLst>
               <a:ext uri="{FF2B5EF4-FFF2-40B4-BE49-F238E27FC236}">
-                <a16:creationId xmlns:a16="http://schemas.microsoft.com/office/drawing/2014/main" id="{1C59176D-59A8-4C02-B448-EE01232FB3E7}"/>
+                <a16:creationId xmlns:a16="http://schemas.microsoft.com/office/drawing/2014/main" xmlns="" id="{1C59176D-59A8-4C02-B448-EE01232FB3E7}"/>
               </a:ext>
               <a:ext uri="{C183D7F6-B498-43B3-948B-1728B52AA6E4}">
-                <adec:decorative xmlns:adec="http://schemas.microsoft.com/office/drawing/2017/decorative" val="1"/>
+                <adec:decorative xmlns:adec="http://schemas.microsoft.com/office/drawing/2017/decorative" xmlns="" val="1"/>
               </a:ext>
             </a:extLst>
           </p:cNvPr>
@@ -4264,10 +4281,10 @@
           <p:cNvPr id="5" name="Diamond 4">
             <a:extLst>
               <a:ext uri="{FF2B5EF4-FFF2-40B4-BE49-F238E27FC236}">
-                <a16:creationId xmlns:a16="http://schemas.microsoft.com/office/drawing/2014/main" id="{A50B1817-3C7F-41BC-8557-7A00C928EE16}"/>
+                <a16:creationId xmlns:a16="http://schemas.microsoft.com/office/drawing/2014/main" xmlns="" id="{A50B1817-3C7F-41BC-8557-7A00C928EE16}"/>
               </a:ext>
               <a:ext uri="{C183D7F6-B498-43B3-948B-1728B52AA6E4}">
-                <adec:decorative xmlns:adec="http://schemas.microsoft.com/office/drawing/2017/decorative" val="1"/>
+                <adec:decorative xmlns:adec="http://schemas.microsoft.com/office/drawing/2017/decorative" xmlns="" val="1"/>
               </a:ext>
             </a:extLst>
           </p:cNvPr>
@@ -4319,7 +4336,7 @@
           <p:cNvPr id="7" name="Group 6" descr="Icon of chart. ">
             <a:extLst>
               <a:ext uri="{FF2B5EF4-FFF2-40B4-BE49-F238E27FC236}">
-                <a16:creationId xmlns:a16="http://schemas.microsoft.com/office/drawing/2014/main" id="{B95DF07A-CE7E-4D89-9AA0-25F4FFF3B9C7}"/>
+                <a16:creationId xmlns:a16="http://schemas.microsoft.com/office/drawing/2014/main" xmlns="" id="{B95DF07A-CE7E-4D89-9AA0-25F4FFF3B9C7}"/>
               </a:ext>
             </a:extLst>
           </p:cNvPr>
@@ -4342,7 +4359,7 @@
             <p:cNvPr id="8" name="Freeform 565">
               <a:extLst>
                 <a:ext uri="{FF2B5EF4-FFF2-40B4-BE49-F238E27FC236}">
-                  <a16:creationId xmlns:a16="http://schemas.microsoft.com/office/drawing/2014/main" id="{548FC78B-EF83-4185-A63D-1A5A85640B62}"/>
+                  <a16:creationId xmlns:a16="http://schemas.microsoft.com/office/drawing/2014/main" xmlns="" id="{548FC78B-EF83-4185-A63D-1A5A85640B62}"/>
                 </a:ext>
               </a:extLst>
             </p:cNvPr>
@@ -5032,7 +5049,7 @@
             <p:cNvPr id="9" name="Freeform 566">
               <a:extLst>
                 <a:ext uri="{FF2B5EF4-FFF2-40B4-BE49-F238E27FC236}">
-                  <a16:creationId xmlns:a16="http://schemas.microsoft.com/office/drawing/2014/main" id="{B7B50F87-A3AA-4FB6-9692-24BF5512FC5B}"/>
+                  <a16:creationId xmlns:a16="http://schemas.microsoft.com/office/drawing/2014/main" xmlns="" id="{B7B50F87-A3AA-4FB6-9692-24BF5512FC5B}"/>
                 </a:ext>
               </a:extLst>
             </p:cNvPr>
@@ -5628,7 +5645,7 @@
           <p:cNvPr id="5" name="Content Placeholder 4">
             <a:extLst>
               <a:ext uri="{FF2B5EF4-FFF2-40B4-BE49-F238E27FC236}">
-                <a16:creationId xmlns:a16="http://schemas.microsoft.com/office/drawing/2014/main" id="{D8936F67-DD3F-898C-957A-2BC94D1C161D}"/>
+                <a16:creationId xmlns:a16="http://schemas.microsoft.com/office/drawing/2014/main" xmlns="" id="{D8936F67-DD3F-898C-957A-2BC94D1C161D}"/>
               </a:ext>
             </a:extLst>
           </p:cNvPr>
@@ -5647,7 +5664,7 @@
         </p:blipFill>
         <p:spPr>
           <a:xfrm>
-            <a:off x="1698256" y="793167"/>
+            <a:off x="1633479" y="1596807"/>
             <a:ext cx="2484335" cy="2453853"/>
           </a:xfrm>
         </p:spPr>
@@ -5657,7 +5674,7 @@
           <p:cNvPr id="7" name="Picture 6">
             <a:extLst>
               <a:ext uri="{FF2B5EF4-FFF2-40B4-BE49-F238E27FC236}">
-                <a16:creationId xmlns:a16="http://schemas.microsoft.com/office/drawing/2014/main" id="{D78C0B85-111B-8975-E2F7-A8613303E50C}"/>
+                <a16:creationId xmlns:a16="http://schemas.microsoft.com/office/drawing/2014/main" xmlns="" id="{D78C0B85-111B-8975-E2F7-A8613303E50C}"/>
               </a:ext>
             </a:extLst>
           </p:cNvPr>
@@ -5674,7 +5691,7 @@
         </p:blipFill>
         <p:spPr>
           <a:xfrm>
-            <a:off x="1633479" y="3610980"/>
+            <a:off x="6662680" y="1620133"/>
             <a:ext cx="2613887" cy="2453853"/>
           </a:xfrm>
           <a:prstGeom prst="rect">
@@ -5684,10 +5701,10 @@
       </p:pic>
       <p:sp>
         <p:nvSpPr>
-          <p:cNvPr id="9" name="TextBox 8">
+          <p:cNvPr id="11" name="TextBox 10">
             <a:extLst>
               <a:ext uri="{FF2B5EF4-FFF2-40B4-BE49-F238E27FC236}">
-                <a16:creationId xmlns:a16="http://schemas.microsoft.com/office/drawing/2014/main" id="{AE5505E0-E08B-82C2-D79F-5BE673734837}"/>
+                <a16:creationId xmlns:a16="http://schemas.microsoft.com/office/drawing/2014/main" xmlns="" id="{8F60C047-1135-1181-71A7-26664C8DEE35}"/>
               </a:ext>
             </a:extLst>
           </p:cNvPr>
@@ -5696,46 +5713,7 @@
         </p:nvSpPr>
         <p:spPr>
           <a:xfrm>
-            <a:off x="1532965" y="3276617"/>
-            <a:ext cx="3379694" cy="369332"/>
-          </a:xfrm>
-          <a:prstGeom prst="rect">
-            <a:avLst/>
-          </a:prstGeom>
-          <a:noFill/>
-        </p:spPr>
-        <p:txBody>
-          <a:bodyPr wrap="square">
-            <a:spAutoFit/>
-          </a:bodyPr>
-          <a:lstStyle/>
-          <a:p>
-            <a:r>
-              <a:rPr lang="en-US" b="0" i="0" dirty="0">
-                <a:effectLst/>
-                <a:latin typeface="Arial" panose="020B0604020202020204" pitchFamily="34" charset="0"/>
-              </a:rPr>
-              <a:t>Fig. 1: accuracy of the model</a:t>
-            </a:r>
-            <a:endParaRPr lang="en-IN" dirty="0"/>
-          </a:p>
-        </p:txBody>
-      </p:sp>
-      <p:sp>
-        <p:nvSpPr>
-          <p:cNvPr id="11" name="TextBox 10">
-            <a:extLst>
-              <a:ext uri="{FF2B5EF4-FFF2-40B4-BE49-F238E27FC236}">
-                <a16:creationId xmlns:a16="http://schemas.microsoft.com/office/drawing/2014/main" id="{8F60C047-1135-1181-71A7-26664C8DEE35}"/>
-              </a:ext>
-            </a:extLst>
-          </p:cNvPr>
-          <p:cNvSpPr txBox="1"/>
-          <p:nvPr/>
-        </p:nvSpPr>
-        <p:spPr>
-          <a:xfrm>
-            <a:off x="1371600" y="6084559"/>
+            <a:off x="2743201" y="4449637"/>
             <a:ext cx="6096000" cy="369332"/>
           </a:xfrm>
           <a:prstGeom prst="rect">
@@ -5754,7 +5732,27 @@
                 <a:effectLst/>
                 <a:latin typeface="Arial" panose="020B0604020202020204" pitchFamily="34" charset="0"/>
               </a:rPr>
-              <a:t>Fig. 2: Sample input after applying the operations</a:t>
+              <a:t>Fig. </a:t>
+            </a:r>
+            <a:r>
+              <a:rPr lang="en-US" dirty="0">
+                <a:latin typeface="Arial" panose="020B0604020202020204" pitchFamily="34" charset="0"/>
+              </a:rPr>
+              <a:t>2</a:t>
+            </a:r>
+            <a:r>
+              <a:rPr lang="en-US" b="0" i="0" dirty="0" smtClean="0">
+                <a:effectLst/>
+                <a:latin typeface="Arial" panose="020B0604020202020204" pitchFamily="34" charset="0"/>
+              </a:rPr>
+              <a:t>: </a:t>
+            </a:r>
+            <a:r>
+              <a:rPr lang="en-US" b="0" i="0" dirty="0">
+                <a:effectLst/>
+                <a:latin typeface="Arial" panose="020B0604020202020204" pitchFamily="34" charset="0"/>
+              </a:rPr>
+              <a:t>Sample input after applying the operations</a:t>
             </a:r>
             <a:endParaRPr lang="en-IN" dirty="0"/>
           </a:p>
@@ -5790,16 +5788,1291 @@
           <a:chExt cx="0" cy="0"/>
         </a:xfrm>
       </p:grpSpPr>
+      <p:sp>
+        <p:nvSpPr>
+          <p:cNvPr id="3" name="Content Placeholder 2">
+            <a:extLst>
+              <a:ext uri="{FF2B5EF4-FFF2-40B4-BE49-F238E27FC236}">
+                <a16:creationId xmlns:a16="http://schemas.microsoft.com/office/drawing/2014/main" xmlns="" id="{2239CCF7-AFC6-D9FB-9A70-2C3CB8A3B35E}"/>
+              </a:ext>
+            </a:extLst>
+          </p:cNvPr>
+          <p:cNvSpPr>
+            <a:spLocks noGrp="1"/>
+          </p:cNvSpPr>
+          <p:nvPr>
+            <p:ph idx="1"/>
+          </p:nvPr>
+        </p:nvSpPr>
+        <p:spPr>
+          <a:xfrm>
+            <a:off x="838200" y="708212"/>
+            <a:ext cx="10515600" cy="5468751"/>
+          </a:xfrm>
+        </p:spPr>
+        <p:txBody>
+          <a:bodyPr>
+            <a:normAutofit/>
+          </a:bodyPr>
+          <a:lstStyle/>
+          <a:p>
+            <a:pPr marL="0" indent="0">
+              <a:buNone/>
+            </a:pPr>
+            <a:r>
+              <a:rPr lang="en-US" b="1" i="0" dirty="0">
+                <a:effectLst/>
+              </a:rPr>
+              <a:t>4. Speech to text</a:t>
+            </a:r>
+          </a:p>
+          <a:p>
+            <a:pPr marL="0" indent="0" algn="just">
+              <a:buNone/>
+            </a:pPr>
+            <a:r>
+              <a:rPr lang="en-US" dirty="0"/>
+              <a:t/>
+            </a:r>
+            <a:br>
+              <a:rPr lang="en-US" dirty="0"/>
+            </a:br>
+            <a:r>
+              <a:rPr lang="en-US" b="0" i="0" dirty="0">
+                <a:effectLst/>
+              </a:rPr>
+              <a:t>The cloud speech-to-text API from Google enterprise is</a:t>
+            </a:r>
+            <a:r>
+              <a:rPr lang="en-US" dirty="0"/>
+              <a:t/>
+            </a:r>
+            <a:br>
+              <a:rPr lang="en-US" dirty="0"/>
+            </a:br>
+            <a:r>
+              <a:rPr lang="en-US" b="0" i="0" dirty="0">
+                <a:effectLst/>
+              </a:rPr>
+              <a:t>used in this module. The API converts audio to text by</a:t>
+            </a:r>
+            <a:r>
+              <a:rPr lang="en-US" dirty="0"/>
+              <a:t/>
+            </a:r>
+            <a:br>
+              <a:rPr lang="en-US" dirty="0"/>
+            </a:br>
+            <a:r>
+              <a:rPr lang="en-US" b="0" i="0" dirty="0">
+                <a:effectLst/>
+              </a:rPr>
+              <a:t>applying powerful neural network models. The API call takes</a:t>
+            </a:r>
+            <a:r>
+              <a:rPr lang="en-US" dirty="0"/>
+              <a:t/>
+            </a:r>
+            <a:br>
+              <a:rPr lang="en-US" dirty="0"/>
+            </a:br>
+            <a:r>
+              <a:rPr lang="en-US" b="0" i="0" dirty="0">
+                <a:effectLst/>
+              </a:rPr>
+              <a:t>a file path to the resource in Google storage and a set of</a:t>
+            </a:r>
+            <a:r>
+              <a:rPr lang="en-US" dirty="0"/>
+              <a:t/>
+            </a:r>
+            <a:br>
+              <a:rPr lang="en-US" dirty="0"/>
+            </a:br>
+            <a:r>
+              <a:rPr lang="en-US" b="0" i="0" dirty="0">
+                <a:effectLst/>
+              </a:rPr>
+              <a:t>configurations as its arguments. The corresponding methods</a:t>
+            </a:r>
+            <a:r>
+              <a:rPr lang="en-US" dirty="0"/>
+              <a:t/>
+            </a:r>
+            <a:br>
+              <a:rPr lang="en-US" dirty="0"/>
+            </a:br>
+            <a:r>
+              <a:rPr lang="en-US" b="0" i="0" dirty="0">
+                <a:effectLst/>
+              </a:rPr>
+              <a:t>to add a file to the Google storage and subsequently remove</a:t>
+            </a:r>
+            <a:r>
+              <a:rPr lang="en-US" dirty="0"/>
+              <a:t/>
+            </a:r>
+            <a:br>
+              <a:rPr lang="en-US" dirty="0"/>
+            </a:br>
+            <a:r>
+              <a:rPr lang="en-US" b="0" i="0" dirty="0">
+                <a:effectLst/>
+              </a:rPr>
+              <a:t>them are </a:t>
+            </a:r>
+            <a:r>
+              <a:rPr lang="en-US" b="0" i="0" dirty="0" err="1">
+                <a:effectLst/>
+              </a:rPr>
+              <a:t>uploadtobucket</a:t>
+            </a:r>
+            <a:r>
+              <a:rPr lang="en-US" b="0" i="0" dirty="0">
+                <a:effectLst/>
+              </a:rPr>
+              <a:t>() and </a:t>
+            </a:r>
+            <a:r>
+              <a:rPr lang="en-US" b="0" i="0" dirty="0" err="1">
+                <a:effectLst/>
+              </a:rPr>
+              <a:t>deletefrombucke</a:t>
+            </a:r>
+            <a:r>
+              <a:rPr lang="en-US" b="0" i="0" dirty="0">
+                <a:effectLst/>
+              </a:rPr>
+              <a:t> (). Note We</a:t>
+            </a:r>
+            <a:r>
+              <a:rPr lang="en-US" dirty="0"/>
+              <a:t/>
+            </a:r>
+            <a:br>
+              <a:rPr lang="en-US" dirty="0"/>
+            </a:br>
+            <a:r>
+              <a:rPr lang="en-US" b="0" i="0" dirty="0" err="1">
+                <a:effectLst/>
+              </a:rPr>
+              <a:t>dont</a:t>
+            </a:r>
+            <a:r>
+              <a:rPr lang="en-US" b="0" i="0" dirty="0">
+                <a:effectLst/>
+              </a:rPr>
+              <a:t> store the audio file in any manner to respect the privacy</a:t>
+            </a:r>
+            <a:r>
+              <a:rPr lang="en-US" dirty="0"/>
+              <a:t/>
+            </a:r>
+            <a:br>
+              <a:rPr lang="en-US" dirty="0"/>
+            </a:br>
+            <a:r>
+              <a:rPr lang="en-US" b="0" i="0" dirty="0">
+                <a:effectLst/>
+              </a:rPr>
+              <a:t>of users. The arguments </a:t>
+            </a:r>
+            <a:r>
+              <a:rPr lang="en-US" b="0" i="0" dirty="0" err="1">
+                <a:effectLst/>
+              </a:rPr>
+              <a:t>enablewordtimeoffsets</a:t>
+            </a:r>
+            <a:r>
+              <a:rPr lang="en-US" b="0" i="0" dirty="0">
+                <a:effectLst/>
+              </a:rPr>
+              <a:t> and </a:t>
+            </a:r>
+            <a:r>
+              <a:rPr lang="en-US" b="0" i="0" dirty="0" err="1">
+                <a:effectLst/>
+              </a:rPr>
+              <a:t>enableau</a:t>
+            </a:r>
+            <a:r>
+              <a:rPr lang="en-US" b="0" i="0" dirty="0">
+                <a:effectLst/>
+              </a:rPr>
+              <a:t>-</a:t>
+            </a:r>
+            <a:r>
+              <a:rPr lang="en-US" dirty="0"/>
+              <a:t/>
+            </a:r>
+            <a:br>
+              <a:rPr lang="en-US" dirty="0"/>
+            </a:br>
+            <a:r>
+              <a:rPr lang="en-US" b="0" i="0" dirty="0" err="1">
+                <a:effectLst/>
+              </a:rPr>
+              <a:t>tomaticpunctuation</a:t>
+            </a:r>
+            <a:r>
+              <a:rPr lang="en-US" b="0" i="0" dirty="0">
+                <a:effectLst/>
+              </a:rPr>
+              <a:t> are set to TRUE to get the time stamps of</a:t>
+            </a:r>
+            <a:r>
+              <a:rPr lang="en-US" dirty="0"/>
+              <a:t/>
+            </a:r>
+            <a:br>
+              <a:rPr lang="en-US" dirty="0"/>
+            </a:br>
+            <a:r>
+              <a:rPr lang="en-US" b="0" i="0" dirty="0">
+                <a:effectLst/>
+              </a:rPr>
+              <a:t>each word and getting the punctuated text respectively.</a:t>
+            </a:r>
+            <a:endParaRPr lang="en-IN" dirty="0"/>
+          </a:p>
+        </p:txBody>
+      </p:sp>
+    </p:spTree>
+    <p:extLst>
+      <p:ext uri="{BB962C8B-B14F-4D97-AF65-F5344CB8AC3E}">
+        <p14:creationId xmlns:p14="http://schemas.microsoft.com/office/powerpoint/2010/main" val="282540577"/>
+      </p:ext>
+    </p:extLst>
+  </p:cSld>
+  <p:clrMapOvr>
+    <a:masterClrMapping/>
+  </p:clrMapOvr>
+</p:sld>
+</file>
+
+<file path=ppt/slides/slide12.xml><?xml version="1.0" encoding="utf-8"?>
+<p:sld xmlns:a="http://schemas.openxmlformats.org/drawingml/2006/main" xmlns:r="http://schemas.openxmlformats.org/officeDocument/2006/relationships" xmlns:p="http://schemas.openxmlformats.org/presentationml/2006/main">
+  <p:cSld>
+    <p:spTree>
+      <p:nvGrpSpPr>
+        <p:cNvPr id="1" name=""/>
+        <p:cNvGrpSpPr/>
+        <p:nvPr/>
+      </p:nvGrpSpPr>
+      <p:grpSpPr>
+        <a:xfrm>
+          <a:off x="0" y="0"/>
+          <a:ext cx="0" cy="0"/>
+          <a:chOff x="0" y="0"/>
+          <a:chExt cx="0" cy="0"/>
+        </a:xfrm>
+      </p:grpSpPr>
+      <p:sp>
+        <p:nvSpPr>
+          <p:cNvPr id="3" name="Content Placeholder 2">
+            <a:extLst>
+              <a:ext uri="{FF2B5EF4-FFF2-40B4-BE49-F238E27FC236}">
+                <a16:creationId xmlns:a16="http://schemas.microsoft.com/office/drawing/2014/main" xmlns="" id="{BB9DDA39-9F7A-E6AD-CB27-4465C3136BF8}"/>
+              </a:ext>
+            </a:extLst>
+          </p:cNvPr>
+          <p:cNvSpPr>
+            <a:spLocks noGrp="1"/>
+          </p:cNvSpPr>
+          <p:nvPr>
+            <p:ph idx="1"/>
+          </p:nvPr>
+        </p:nvSpPr>
+        <p:spPr>
+          <a:xfrm>
+            <a:off x="838200" y="1093694"/>
+            <a:ext cx="10515600" cy="5083269"/>
+          </a:xfrm>
+        </p:spPr>
+        <p:txBody>
+          <a:bodyPr>
+            <a:normAutofit/>
+          </a:bodyPr>
+          <a:lstStyle/>
+          <a:p>
+            <a:pPr marL="0" indent="0">
+              <a:buNone/>
+            </a:pPr>
+            <a:r>
+              <a:rPr lang="en-US" b="1" i="0" dirty="0">
+                <a:effectLst/>
+                <a:cs typeface="Segoe UI" panose="020B0502040204020203" pitchFamily="34" charset="0"/>
+              </a:rPr>
+              <a:t>5. Interesting and difficulty classifier</a:t>
+            </a:r>
+          </a:p>
+          <a:p>
+            <a:pPr marL="0" indent="0">
+              <a:buNone/>
+            </a:pPr>
+            <a:endParaRPr lang="en-US" b="1" i="0" dirty="0">
+              <a:effectLst/>
+              <a:cs typeface="Segoe UI" panose="020B0502040204020203" pitchFamily="34" charset="0"/>
+            </a:endParaRPr>
+          </a:p>
+          <a:p>
+            <a:pPr marL="0" indent="0" algn="just">
+              <a:buNone/>
+            </a:pPr>
+            <a:r>
+              <a:rPr lang="en-US" b="0" i="0" dirty="0">
+                <a:effectLst/>
+                <a:cs typeface="Segoe UI" panose="020B0502040204020203" pitchFamily="34" charset="0"/>
+              </a:rPr>
+              <a:t>This module classifies the questions as interesting/not in-</a:t>
+            </a:r>
+            <a:r>
+              <a:rPr lang="en-US" dirty="0">
+                <a:cs typeface="Segoe UI" panose="020B0502040204020203" pitchFamily="34" charset="0"/>
+              </a:rPr>
+              <a:t/>
+            </a:r>
+            <a:br>
+              <a:rPr lang="en-US" dirty="0">
+                <a:cs typeface="Segoe UI" panose="020B0502040204020203" pitchFamily="34" charset="0"/>
+              </a:rPr>
+            </a:br>
+            <a:r>
+              <a:rPr lang="en-US" b="0" i="0" dirty="0" err="1">
+                <a:effectLst/>
+                <a:cs typeface="Segoe UI" panose="020B0502040204020203" pitchFamily="34" charset="0"/>
+              </a:rPr>
+              <a:t>teresting</a:t>
+            </a:r>
+            <a:r>
+              <a:rPr lang="en-US" b="0" i="0" dirty="0">
+                <a:effectLst/>
+                <a:cs typeface="Segoe UI" panose="020B0502040204020203" pitchFamily="34" charset="0"/>
+              </a:rPr>
+              <a:t> and difficult/not difficult. The data used here was</a:t>
+            </a:r>
+            <a:r>
+              <a:rPr lang="en-US" dirty="0">
+                <a:cs typeface="Segoe UI" panose="020B0502040204020203" pitchFamily="34" charset="0"/>
+              </a:rPr>
+              <a:t/>
+            </a:r>
+            <a:br>
+              <a:rPr lang="en-US" dirty="0">
+                <a:cs typeface="Segoe UI" panose="020B0502040204020203" pitchFamily="34" charset="0"/>
+              </a:rPr>
+            </a:br>
+            <a:r>
+              <a:rPr lang="en-US" b="0" i="0" dirty="0">
+                <a:effectLst/>
+                <a:cs typeface="Segoe UI" panose="020B0502040204020203" pitchFamily="34" charset="0"/>
+              </a:rPr>
+              <a:t>collected through a survey. The data is then transformed as</a:t>
+            </a:r>
+            <a:r>
+              <a:rPr lang="en-US" dirty="0">
+                <a:cs typeface="Segoe UI" panose="020B0502040204020203" pitchFamily="34" charset="0"/>
+              </a:rPr>
+              <a:t/>
+            </a:r>
+            <a:br>
+              <a:rPr lang="en-US" dirty="0">
+                <a:cs typeface="Segoe UI" panose="020B0502040204020203" pitchFamily="34" charset="0"/>
+              </a:rPr>
+            </a:br>
+            <a:r>
+              <a:rPr lang="en-US" b="0" i="0" dirty="0">
+                <a:effectLst/>
+                <a:cs typeface="Segoe UI" panose="020B0502040204020203" pitchFamily="34" charset="0"/>
+              </a:rPr>
+              <a:t>a matrix using the </a:t>
+            </a:r>
+            <a:r>
+              <a:rPr lang="en-US" b="0" i="0" dirty="0" err="1">
+                <a:effectLst/>
+                <a:cs typeface="Segoe UI" panose="020B0502040204020203" pitchFamily="34" charset="0"/>
+              </a:rPr>
+              <a:t>tfidf</a:t>
+            </a:r>
+            <a:r>
+              <a:rPr lang="en-US" b="0" i="0" dirty="0">
+                <a:effectLst/>
+                <a:cs typeface="Segoe UI" panose="020B0502040204020203" pitchFamily="34" charset="0"/>
+              </a:rPr>
+              <a:t> vectorizer method, the query is also</a:t>
+            </a:r>
+            <a:r>
+              <a:rPr lang="en-US" dirty="0">
+                <a:cs typeface="Segoe UI" panose="020B0502040204020203" pitchFamily="34" charset="0"/>
+              </a:rPr>
+              <a:t/>
+            </a:r>
+            <a:br>
+              <a:rPr lang="en-US" dirty="0">
+                <a:cs typeface="Segoe UI" panose="020B0502040204020203" pitchFamily="34" charset="0"/>
+              </a:rPr>
+            </a:br>
+            <a:r>
+              <a:rPr lang="en-US" b="0" i="0" dirty="0">
+                <a:effectLst/>
+                <a:cs typeface="Segoe UI" panose="020B0502040204020203" pitchFamily="34" charset="0"/>
+              </a:rPr>
+              <a:t>transformed into a vector. Stop words removal, lemmatization</a:t>
+            </a:r>
+            <a:r>
+              <a:rPr lang="en-US" dirty="0">
+                <a:cs typeface="Segoe UI" panose="020B0502040204020203" pitchFamily="34" charset="0"/>
+              </a:rPr>
+              <a:t/>
+            </a:r>
+            <a:br>
+              <a:rPr lang="en-US" dirty="0">
+                <a:cs typeface="Segoe UI" panose="020B0502040204020203" pitchFamily="34" charset="0"/>
+              </a:rPr>
+            </a:br>
+            <a:r>
+              <a:rPr lang="en-US" b="0" i="0" dirty="0">
+                <a:effectLst/>
+                <a:cs typeface="Segoe UI" panose="020B0502040204020203" pitchFamily="34" charset="0"/>
+              </a:rPr>
+              <a:t>and other such techniques are employed for higher </a:t>
+            </a:r>
+            <a:r>
+              <a:rPr lang="en-US" b="0" i="0" dirty="0" err="1">
+                <a:effectLst/>
+                <a:cs typeface="Segoe UI" panose="020B0502040204020203" pitchFamily="34" charset="0"/>
+              </a:rPr>
+              <a:t>perfor</a:t>
+            </a:r>
+            <a:r>
+              <a:rPr lang="en-US" b="0" i="0" dirty="0">
+                <a:effectLst/>
+                <a:cs typeface="Segoe UI" panose="020B0502040204020203" pitchFamily="34" charset="0"/>
+              </a:rPr>
+              <a:t>-</a:t>
+            </a:r>
+            <a:r>
+              <a:rPr lang="en-US" dirty="0">
+                <a:cs typeface="Segoe UI" panose="020B0502040204020203" pitchFamily="34" charset="0"/>
+              </a:rPr>
+              <a:t/>
+            </a:r>
+            <a:br>
+              <a:rPr lang="en-US" dirty="0">
+                <a:cs typeface="Segoe UI" panose="020B0502040204020203" pitchFamily="34" charset="0"/>
+              </a:rPr>
+            </a:br>
+            <a:r>
+              <a:rPr lang="en-US" b="0" i="0" dirty="0" err="1">
+                <a:effectLst/>
+                <a:cs typeface="Segoe UI" panose="020B0502040204020203" pitchFamily="34" charset="0"/>
+              </a:rPr>
+              <a:t>mance</a:t>
+            </a:r>
+            <a:r>
+              <a:rPr lang="en-US" b="0" i="0" dirty="0">
+                <a:effectLst/>
+                <a:cs typeface="Segoe UI" panose="020B0502040204020203" pitchFamily="34" charset="0"/>
+              </a:rPr>
+              <a:t>. Next, we use the cosine similarity to fetch similar</a:t>
+            </a:r>
+            <a:r>
+              <a:rPr lang="en-US" dirty="0">
+                <a:cs typeface="Segoe UI" panose="020B0502040204020203" pitchFamily="34" charset="0"/>
+              </a:rPr>
+              <a:t/>
+            </a:r>
+            <a:br>
+              <a:rPr lang="en-US" dirty="0">
+                <a:cs typeface="Segoe UI" panose="020B0502040204020203" pitchFamily="34" charset="0"/>
+              </a:rPr>
+            </a:br>
+            <a:r>
+              <a:rPr lang="en-US" b="0" i="0" dirty="0">
+                <a:effectLst/>
+                <a:cs typeface="Segoe UI" panose="020B0502040204020203" pitchFamily="34" charset="0"/>
+              </a:rPr>
+              <a:t>sentences and calculate the scores for each query j as follows:</a:t>
+            </a:r>
+            <a:r>
+              <a:rPr lang="en-US" dirty="0">
+                <a:cs typeface="Segoe UI" panose="020B0502040204020203" pitchFamily="34" charset="0"/>
+              </a:rPr>
+              <a:t/>
+            </a:r>
+            <a:br>
+              <a:rPr lang="en-US" dirty="0">
+                <a:cs typeface="Segoe UI" panose="020B0502040204020203" pitchFamily="34" charset="0"/>
+              </a:rPr>
+            </a:br>
+            <a:r>
+              <a:rPr lang="en-US" b="0" i="0" dirty="0">
+                <a:effectLst/>
+                <a:cs typeface="Segoe UI" panose="020B0502040204020203" pitchFamily="34" charset="0"/>
+              </a:rPr>
+              <a:t>If the computed score is greater than the threshold (0) the</a:t>
+            </a:r>
+            <a:r>
+              <a:rPr lang="en-US" dirty="0">
+                <a:cs typeface="Segoe UI" panose="020B0502040204020203" pitchFamily="34" charset="0"/>
+              </a:rPr>
+              <a:t/>
+            </a:r>
+            <a:br>
+              <a:rPr lang="en-US" dirty="0">
+                <a:cs typeface="Segoe UI" panose="020B0502040204020203" pitchFamily="34" charset="0"/>
+              </a:rPr>
+            </a:br>
+            <a:r>
+              <a:rPr lang="en-US" b="0" i="0" dirty="0">
+                <a:effectLst/>
+                <a:cs typeface="Segoe UI" panose="020B0502040204020203" pitchFamily="34" charset="0"/>
+              </a:rPr>
+              <a:t>query falls into the positive class and negative class otherwise</a:t>
+            </a:r>
+            <a:endParaRPr lang="en-IN" dirty="0">
+              <a:cs typeface="Segoe UI" panose="020B0502040204020203" pitchFamily="34" charset="0"/>
+            </a:endParaRPr>
+          </a:p>
+        </p:txBody>
+      </p:sp>
+    </p:spTree>
+    <p:extLst>
+      <p:ext uri="{BB962C8B-B14F-4D97-AF65-F5344CB8AC3E}">
+        <p14:creationId xmlns:p14="http://schemas.microsoft.com/office/powerpoint/2010/main" val="4097557413"/>
+      </p:ext>
+    </p:extLst>
+  </p:cSld>
+  <p:clrMapOvr>
+    <a:masterClrMapping/>
+  </p:clrMapOvr>
+</p:sld>
+</file>
+
+<file path=ppt/slides/slide13.xml><?xml version="1.0" encoding="utf-8"?>
+<p:sld xmlns:a="http://schemas.openxmlformats.org/drawingml/2006/main" xmlns:r="http://schemas.openxmlformats.org/officeDocument/2006/relationships" xmlns:p="http://schemas.openxmlformats.org/presentationml/2006/main">
+  <p:cSld>
+    <p:spTree>
+      <p:nvGrpSpPr>
+        <p:cNvPr id="1" name=""/>
+        <p:cNvGrpSpPr/>
+        <p:nvPr/>
+      </p:nvGrpSpPr>
+      <p:grpSpPr>
+        <a:xfrm>
+          <a:off x="0" y="0"/>
+          <a:ext cx="0" cy="0"/>
+          <a:chOff x="0" y="0"/>
+          <a:chExt cx="0" cy="0"/>
+        </a:xfrm>
+      </p:grpSpPr>
+      <p:sp>
+        <p:nvSpPr>
+          <p:cNvPr id="3" name="Content Placeholder 2">
+            <a:extLst>
+              <a:ext uri="{FF2B5EF4-FFF2-40B4-BE49-F238E27FC236}">
+                <a16:creationId xmlns:a16="http://schemas.microsoft.com/office/drawing/2014/main" xmlns="" id="{4CE91114-877A-FF34-24DA-05AFEB36D23E}"/>
+              </a:ext>
+            </a:extLst>
+          </p:cNvPr>
+          <p:cNvSpPr>
+            <a:spLocks noGrp="1"/>
+          </p:cNvSpPr>
+          <p:nvPr>
+            <p:ph idx="1"/>
+          </p:nvPr>
+        </p:nvSpPr>
+        <p:spPr>
+          <a:xfrm>
+            <a:off x="838200" y="319554"/>
+            <a:ext cx="10029092" cy="5413031"/>
+          </a:xfrm>
+        </p:spPr>
+        <p:txBody>
+          <a:bodyPr>
+            <a:noAutofit/>
+          </a:bodyPr>
+          <a:lstStyle/>
+          <a:p>
+            <a:pPr marL="0" indent="0">
+              <a:buNone/>
+            </a:pPr>
+            <a:r>
+              <a:rPr lang="en-US" b="1" i="0" dirty="0">
+                <a:effectLst/>
+              </a:rPr>
+              <a:t>6. Question detector</a:t>
+            </a:r>
+          </a:p>
+          <a:p>
+            <a:pPr marL="0" indent="0" algn="just">
+              <a:buNone/>
+            </a:pPr>
+            <a:r>
+              <a:rPr lang="en-US" dirty="0"/>
+              <a:t/>
+            </a:r>
+            <a:br>
+              <a:rPr lang="en-US" dirty="0"/>
+            </a:br>
+            <a:r>
+              <a:rPr lang="en-US" b="0" i="0" dirty="0">
+                <a:effectLst/>
+              </a:rPr>
+              <a:t>This module detects whether a given sentence is a question</a:t>
+            </a:r>
+            <a:r>
+              <a:rPr lang="en-US" dirty="0"/>
+              <a:t/>
+            </a:r>
+            <a:br>
+              <a:rPr lang="en-US" dirty="0"/>
+            </a:br>
+            <a:r>
+              <a:rPr lang="en-US" b="0" i="0" dirty="0">
+                <a:effectLst/>
+              </a:rPr>
+              <a:t>or not. The sentences extracted from the transcript are passed on</a:t>
+            </a:r>
+            <a:r>
+              <a:rPr lang="en-US" dirty="0"/>
+              <a:t/>
+            </a:r>
+            <a:br>
+              <a:rPr lang="en-US" dirty="0"/>
+            </a:br>
+            <a:r>
+              <a:rPr lang="en-US" b="0" i="0" dirty="0">
+                <a:effectLst/>
+              </a:rPr>
+              <a:t>to the function as input. Each word in the sentence is then compared with the words present in the NLTK </a:t>
+            </a:r>
+            <a:r>
+              <a:rPr lang="en-US" b="0" i="0" dirty="0" err="1">
+                <a:effectLst/>
+              </a:rPr>
+              <a:t>npschat</a:t>
+            </a:r>
+            <a:r>
+              <a:rPr lang="en-US" b="0" i="0" dirty="0">
+                <a:effectLst/>
+              </a:rPr>
+              <a:t> corpus, this corpus consists of ten thousand posts which are </a:t>
+            </a:r>
+            <a:r>
+              <a:rPr lang="en-US" b="0" i="0" dirty="0" err="1">
+                <a:effectLst/>
+              </a:rPr>
+              <a:t>PoS</a:t>
+            </a:r>
+            <a:r>
+              <a:rPr lang="en-US" b="0" i="0" dirty="0">
+                <a:effectLst/>
+              </a:rPr>
+              <a:t> tagged and dialogue tagged. All the words present in the sentence and the class of all the sentences ( </a:t>
+            </a:r>
+            <a:r>
+              <a:rPr lang="en-US" b="0" i="0" dirty="0" err="1">
+                <a:effectLst/>
+              </a:rPr>
+              <a:t>ie</a:t>
+            </a:r>
+            <a:r>
+              <a:rPr lang="en-US" b="0" i="0" dirty="0">
+                <a:effectLst/>
+              </a:rPr>
+              <a:t> statement/</a:t>
+            </a:r>
+            <a:r>
+              <a:rPr lang="en-US" b="0" i="0" dirty="0" err="1">
+                <a:effectLst/>
+              </a:rPr>
+              <a:t>ynquestion</a:t>
+            </a:r>
+            <a:r>
+              <a:rPr lang="en-US" b="0" i="0" dirty="0">
+                <a:effectLst/>
+              </a:rPr>
+              <a:t>/</a:t>
+            </a:r>
+            <a:r>
+              <a:rPr lang="en-US" b="0" i="0" dirty="0" err="1">
+                <a:effectLst/>
+              </a:rPr>
+              <a:t>whquestion</a:t>
+            </a:r>
+            <a:r>
+              <a:rPr lang="en-US" b="0" i="0" dirty="0">
+                <a:effectLst/>
+              </a:rPr>
+              <a:t>) obtained from the </a:t>
+            </a:r>
+            <a:r>
+              <a:rPr lang="en-US" b="0" i="0" dirty="0" err="1">
+                <a:effectLst/>
+              </a:rPr>
+              <a:t>npschat</a:t>
+            </a:r>
+            <a:r>
+              <a:rPr lang="en-US" b="0" i="0" dirty="0">
+                <a:effectLst/>
+              </a:rPr>
+              <a:t> corpus are used as features for training the Multinomial Nave Bayes Model which is inbuilt in NLTK. The feature set is split in the ration of 80:20 and given as train input and test input to the model. The model classifies the given statement as statement/</a:t>
+            </a:r>
+            <a:r>
+              <a:rPr lang="en-US" b="0" i="0" dirty="0" err="1">
+                <a:effectLst/>
+              </a:rPr>
+              <a:t>ynquestion</a:t>
+            </a:r>
+            <a:r>
+              <a:rPr lang="en-US" b="0" i="0" dirty="0">
+                <a:effectLst/>
+              </a:rPr>
+              <a:t>/</a:t>
+            </a:r>
+            <a:r>
+              <a:rPr lang="en-US" b="0" i="0" dirty="0" err="1">
+                <a:effectLst/>
+              </a:rPr>
+              <a:t>whquestion</a:t>
+            </a:r>
+            <a:r>
+              <a:rPr lang="en-US" b="0" i="0" dirty="0">
+                <a:effectLst/>
+              </a:rPr>
+              <a:t> based on the feature set. If it classifies as </a:t>
+            </a:r>
+            <a:r>
+              <a:rPr lang="en-US" b="0" i="0" dirty="0" err="1">
+                <a:effectLst/>
+              </a:rPr>
+              <a:t>ynquestion</a:t>
+            </a:r>
+            <a:r>
+              <a:rPr lang="en-US" b="0" i="0" dirty="0">
+                <a:effectLst/>
+              </a:rPr>
+              <a:t> or </a:t>
+            </a:r>
+            <a:r>
+              <a:rPr lang="en-US" b="0" i="0" dirty="0" err="1">
+                <a:effectLst/>
+              </a:rPr>
+              <a:t>whquestion</a:t>
+            </a:r>
+            <a:r>
+              <a:rPr lang="en-US" b="0" i="0" dirty="0">
+                <a:effectLst/>
+              </a:rPr>
+              <a:t>, the corresponding sentence is flagged as a question</a:t>
+            </a:r>
+            <a:endParaRPr lang="en-IN" dirty="0"/>
+          </a:p>
+        </p:txBody>
+      </p:sp>
+    </p:spTree>
+    <p:extLst>
+      <p:ext uri="{BB962C8B-B14F-4D97-AF65-F5344CB8AC3E}">
+        <p14:creationId xmlns:p14="http://schemas.microsoft.com/office/powerpoint/2010/main" val="2664371152"/>
+      </p:ext>
+    </p:extLst>
+  </p:cSld>
+  <p:clrMapOvr>
+    <a:masterClrMapping/>
+  </p:clrMapOvr>
+</p:sld>
+</file>
+
+<file path=ppt/slides/slide14.xml><?xml version="1.0" encoding="utf-8"?>
+<p:sld xmlns:a="http://schemas.openxmlformats.org/drawingml/2006/main" xmlns:r="http://schemas.openxmlformats.org/officeDocument/2006/relationships" xmlns:p="http://schemas.openxmlformats.org/presentationml/2006/main">
+  <p:cSld>
+    <p:spTree>
+      <p:nvGrpSpPr>
+        <p:cNvPr id="1" name=""/>
+        <p:cNvGrpSpPr/>
+        <p:nvPr/>
+      </p:nvGrpSpPr>
+      <p:grpSpPr>
+        <a:xfrm>
+          <a:off x="0" y="0"/>
+          <a:ext cx="0" cy="0"/>
+          <a:chOff x="0" y="0"/>
+          <a:chExt cx="0" cy="0"/>
+        </a:xfrm>
+      </p:grpSpPr>
+      <p:sp>
+        <p:nvSpPr>
+          <p:cNvPr id="3" name="Content Placeholder 2">
+            <a:extLst>
+              <a:ext uri="{FF2B5EF4-FFF2-40B4-BE49-F238E27FC236}">
+                <a16:creationId xmlns:a16="http://schemas.microsoft.com/office/drawing/2014/main" xmlns="" id="{023591F5-D0D8-62E5-A86A-8DD460EECC6D}"/>
+              </a:ext>
+            </a:extLst>
+          </p:cNvPr>
+          <p:cNvSpPr>
+            <a:spLocks noGrp="1"/>
+          </p:cNvSpPr>
+          <p:nvPr>
+            <p:ph idx="1"/>
+          </p:nvPr>
+        </p:nvSpPr>
+        <p:spPr>
+          <a:xfrm>
+            <a:off x="838200" y="599945"/>
+            <a:ext cx="10515600" cy="5916987"/>
+          </a:xfrm>
+        </p:spPr>
+        <p:txBody>
+          <a:bodyPr>
+            <a:normAutofit fontScale="40000" lnSpcReduction="20000"/>
+          </a:bodyPr>
+          <a:lstStyle/>
+          <a:p>
+            <a:pPr marL="0" indent="0" algn="l" rtl="0">
+              <a:buNone/>
+            </a:pPr>
+            <a:r>
+              <a:rPr lang="en-US" sz="7000" b="1" i="0" dirty="0">
+                <a:effectLst/>
+              </a:rPr>
+              <a:t>7. Identifying the number of speakers present in the audio file</a:t>
+            </a:r>
+          </a:p>
+          <a:p>
+            <a:pPr marL="0" indent="0" algn="l" rtl="0">
+              <a:buNone/>
+            </a:pPr>
+            <a:r>
+              <a:rPr lang="en-US" sz="7000" b="0" i="0" dirty="0">
+                <a:effectLst/>
+              </a:rPr>
+              <a:t/>
+            </a:r>
+            <a:br>
+              <a:rPr lang="en-US" sz="7000" b="0" i="0" dirty="0">
+                <a:effectLst/>
+              </a:rPr>
+            </a:br>
+            <a:r>
+              <a:rPr lang="en-US" sz="7000" b="0" i="0" dirty="0">
+                <a:effectLst/>
+              </a:rPr>
+              <a:t>The cloud speech-to-text API from Google enterprise is</a:t>
+            </a:r>
+            <a:br>
+              <a:rPr lang="en-US" sz="7000" b="0" i="0" dirty="0">
+                <a:effectLst/>
+              </a:rPr>
+            </a:br>
+            <a:r>
+              <a:rPr lang="en-US" sz="7000" b="0" i="0" dirty="0">
+                <a:effectLst/>
+              </a:rPr>
+              <a:t>used in this module. The API performs speaker </a:t>
+            </a:r>
+            <a:r>
+              <a:rPr lang="en-US" sz="7000" b="0" i="0" dirty="0" err="1">
+                <a:effectLst/>
+              </a:rPr>
+              <a:t>diarization</a:t>
+            </a:r>
+            <a:r>
+              <a:rPr lang="en-US" sz="7000" b="0" i="0" dirty="0">
+                <a:effectLst/>
+              </a:rPr>
+              <a:t/>
+            </a:r>
+            <a:br>
+              <a:rPr lang="en-US" sz="7000" b="0" i="0" dirty="0">
+                <a:effectLst/>
+              </a:rPr>
+            </a:br>
+            <a:r>
+              <a:rPr lang="en-US" sz="7000" b="0" i="0" dirty="0">
+                <a:effectLst/>
+              </a:rPr>
+              <a:t>on the audio file using advanced Neural Networks.</a:t>
+            </a:r>
+            <a:br>
+              <a:rPr lang="en-US" sz="7000" b="0" i="0" dirty="0">
+                <a:effectLst/>
+              </a:rPr>
+            </a:br>
+            <a:r>
+              <a:rPr lang="en-US" sz="7000" b="0" i="0" dirty="0">
+                <a:effectLst/>
+              </a:rPr>
+              <a:t>We use a function called </a:t>
+            </a:r>
+            <a:r>
+              <a:rPr lang="en-US" sz="7000" b="0" i="0" dirty="0" err="1">
+                <a:effectLst/>
+              </a:rPr>
+              <a:t>speech.RecognitionConfig</a:t>
+            </a:r>
+            <a:r>
+              <a:rPr lang="en-US" sz="7000" b="0" i="0" dirty="0">
+                <a:effectLst/>
+              </a:rPr>
+              <a:t> which</a:t>
+            </a:r>
+            <a:br>
+              <a:rPr lang="en-US" sz="7000" b="0" i="0" dirty="0">
+                <a:effectLst/>
+              </a:rPr>
+            </a:br>
+            <a:r>
+              <a:rPr lang="en-US" sz="7000" b="0" i="0" dirty="0">
+                <a:effectLst/>
+              </a:rPr>
+              <a:t>acc the necessary configuration details corresponding to the audio file such as encoding, </a:t>
+            </a:r>
+            <a:r>
+              <a:rPr lang="en-US" sz="7000" b="0" i="0" dirty="0" err="1">
+                <a:effectLst/>
+              </a:rPr>
+              <a:t>languagecode</a:t>
+            </a:r>
+            <a:r>
+              <a:rPr lang="en-US" sz="7000" b="0" i="0" dirty="0">
+                <a:effectLst/>
+              </a:rPr>
+              <a:t>, </a:t>
+            </a:r>
+            <a:r>
+              <a:rPr lang="en-US" sz="7000" b="0" i="0" dirty="0" err="1">
+                <a:effectLst/>
+              </a:rPr>
+              <a:t>diarization</a:t>
+            </a:r>
+            <a:r>
+              <a:rPr lang="en-US" sz="7000" b="0" i="0" dirty="0">
+                <a:effectLst/>
+              </a:rPr>
+              <a:t> configuration, </a:t>
+            </a:r>
+            <a:r>
+              <a:rPr lang="en-US" sz="7000" b="0" i="0" dirty="0" err="1">
+                <a:effectLst/>
+              </a:rPr>
+              <a:t>samplehetrzrate</a:t>
+            </a:r>
+            <a:r>
+              <a:rPr lang="en-US" sz="7000" b="0" i="0" dirty="0">
+                <a:effectLst/>
+              </a:rPr>
+              <a:t> etc. The </a:t>
+            </a:r>
+            <a:r>
+              <a:rPr lang="en-US" sz="7000" b="0" i="0" dirty="0" err="1">
+                <a:effectLst/>
+              </a:rPr>
+              <a:t>diarization</a:t>
+            </a:r>
+            <a:r>
+              <a:rPr lang="en-US" sz="7000" b="0" i="0" dirty="0">
+                <a:effectLst/>
+              </a:rPr>
+              <a:t> configuration is passed as a speaker </a:t>
+            </a:r>
+            <a:r>
+              <a:rPr lang="en-US" sz="7000" b="0" i="0" dirty="0" err="1">
+                <a:effectLst/>
+              </a:rPr>
+              <a:t>diarization</a:t>
+            </a:r>
+            <a:r>
+              <a:rPr lang="en-US" sz="7000" b="0" i="0" dirty="0">
+                <a:effectLst/>
+              </a:rPr>
+              <a:t> config object which contains details like min speaker count, max speaker count etc. This </a:t>
+            </a:r>
+            <a:r>
+              <a:rPr lang="en-US" sz="7000" b="0" i="0" dirty="0" err="1">
+                <a:effectLst/>
+              </a:rPr>
+              <a:t>RecognitionConfig</a:t>
+            </a:r>
+            <a:r>
+              <a:rPr lang="en-US" sz="7000" b="0" i="0" dirty="0">
+                <a:effectLst/>
+              </a:rPr>
+              <a:t> object and the audio file are passed to a function called </a:t>
+            </a:r>
+            <a:r>
+              <a:rPr lang="en-US" sz="7000" b="0" i="0" dirty="0" err="1">
+                <a:effectLst/>
+              </a:rPr>
+              <a:t>longrunningrecognize</a:t>
+            </a:r>
+            <a:r>
+              <a:rPr lang="en-US" sz="7000" b="0" i="0" dirty="0">
+                <a:effectLst/>
+              </a:rPr>
+              <a:t> which performs the necessary operations on the file. The return object of this</a:t>
+            </a:r>
+            <a:r>
+              <a:rPr lang="en-US" sz="7000" dirty="0"/>
+              <a:t> </a:t>
+            </a:r>
+            <a:r>
+              <a:rPr lang="en-US" sz="7000" b="0" i="0" dirty="0">
+                <a:effectLst/>
+              </a:rPr>
+              <a:t>function contains the details of each word like the tag of the speaker etc. from this return object we obtain the number of speakers.</a:t>
+            </a:r>
+          </a:p>
+          <a:p>
+            <a:endParaRPr lang="en-IN" dirty="0"/>
+          </a:p>
+        </p:txBody>
+      </p:sp>
+    </p:spTree>
+    <p:extLst>
+      <p:ext uri="{BB962C8B-B14F-4D97-AF65-F5344CB8AC3E}">
+        <p14:creationId xmlns:p14="http://schemas.microsoft.com/office/powerpoint/2010/main" val="2974390642"/>
+      </p:ext>
+    </p:extLst>
+  </p:cSld>
+  <p:clrMapOvr>
+    <a:masterClrMapping/>
+  </p:clrMapOvr>
+</p:sld>
+</file>
+
+<file path=ppt/slides/slide15.xml><?xml version="1.0" encoding="utf-8"?>
+<p:sld xmlns:a="http://schemas.openxmlformats.org/drawingml/2006/main" xmlns:r="http://schemas.openxmlformats.org/officeDocument/2006/relationships" xmlns:p="http://schemas.openxmlformats.org/presentationml/2006/main">
+  <p:cSld>
+    <p:spTree>
+      <p:nvGrpSpPr>
+        <p:cNvPr id="1" name=""/>
+        <p:cNvGrpSpPr/>
+        <p:nvPr/>
+      </p:nvGrpSpPr>
+      <p:grpSpPr>
+        <a:xfrm>
+          <a:off x="0" y="0"/>
+          <a:ext cx="0" cy="0"/>
+          <a:chOff x="0" y="0"/>
+          <a:chExt cx="0" cy="0"/>
+        </a:xfrm>
+      </p:grpSpPr>
+      <p:sp>
+        <p:nvSpPr>
+          <p:cNvPr id="3" name="Content Placeholder 2">
+            <a:extLst>
+              <a:ext uri="{FF2B5EF4-FFF2-40B4-BE49-F238E27FC236}">
+                <a16:creationId xmlns:a16="http://schemas.microsoft.com/office/drawing/2014/main" xmlns="" id="{6ED64612-8AD9-EA42-E11A-0822E2107122}"/>
+              </a:ext>
+            </a:extLst>
+          </p:cNvPr>
+          <p:cNvSpPr>
+            <a:spLocks noGrp="1"/>
+          </p:cNvSpPr>
+          <p:nvPr>
+            <p:ph idx="1"/>
+          </p:nvPr>
+        </p:nvSpPr>
+        <p:spPr>
+          <a:xfrm>
+            <a:off x="779585" y="1169133"/>
+            <a:ext cx="10515600" cy="4351338"/>
+          </a:xfrm>
+        </p:spPr>
+        <p:txBody>
+          <a:bodyPr/>
+          <a:lstStyle/>
+          <a:p>
+            <a:pPr marL="0" indent="0">
+              <a:buNone/>
+            </a:pPr>
+            <a:r>
+              <a:rPr lang="en-US" b="1" i="0" dirty="0">
+                <a:effectLst/>
+              </a:rPr>
+              <a:t>8. Finding the average response time</a:t>
+            </a:r>
+          </a:p>
+          <a:p>
+            <a:pPr marL="0" indent="0" algn="just">
+              <a:buNone/>
+            </a:pPr>
+            <a:r>
+              <a:rPr lang="en-US" dirty="0"/>
+              <a:t/>
+            </a:r>
+            <a:br>
+              <a:rPr lang="en-US" dirty="0"/>
+            </a:br>
+            <a:r>
+              <a:rPr lang="en-US" b="0" i="0" dirty="0">
+                <a:effectLst/>
+              </a:rPr>
+              <a:t>Once the questions and the word time stamps are ready they</a:t>
+            </a:r>
+            <a:r>
+              <a:rPr lang="en-US" dirty="0"/>
+              <a:t/>
+            </a:r>
+            <a:br>
+              <a:rPr lang="en-US" dirty="0"/>
+            </a:br>
+            <a:r>
+              <a:rPr lang="en-US" b="0" i="0" dirty="0">
+                <a:effectLst/>
+              </a:rPr>
+              <a:t>are passed to this module where for each question its time</a:t>
+            </a:r>
+            <a:r>
+              <a:rPr lang="en-US" dirty="0"/>
+              <a:t/>
+            </a:r>
+            <a:br>
+              <a:rPr lang="en-US" dirty="0"/>
+            </a:br>
+            <a:r>
+              <a:rPr lang="en-US" b="0" i="0" dirty="0">
+                <a:effectLst/>
+              </a:rPr>
+              <a:t>stamp and its corresponding response word stamp is fetched.</a:t>
+            </a:r>
+            <a:r>
+              <a:rPr lang="en-US" dirty="0"/>
+              <a:t/>
+            </a:r>
+            <a:br>
+              <a:rPr lang="en-US" dirty="0"/>
+            </a:br>
+            <a:r>
+              <a:rPr lang="en-US" b="0" i="0" dirty="0">
+                <a:effectLst/>
+              </a:rPr>
+              <a:t>The word time stamps are a datetime object, subtracting two</a:t>
+            </a:r>
+            <a:r>
+              <a:rPr lang="en-US" dirty="0"/>
+              <a:t/>
+            </a:r>
+            <a:br>
+              <a:rPr lang="en-US" dirty="0"/>
+            </a:br>
+            <a:r>
+              <a:rPr lang="en-US" b="0" i="0" dirty="0">
+                <a:effectLst/>
+              </a:rPr>
+              <a:t>datetime objects creates a delta datetime object from which the</a:t>
+            </a:r>
+            <a:r>
+              <a:rPr lang="en-US" dirty="0"/>
+              <a:t/>
+            </a:r>
+            <a:br>
+              <a:rPr lang="en-US" dirty="0"/>
+            </a:br>
+            <a:r>
+              <a:rPr lang="en-US" b="0" i="0" dirty="0">
+                <a:effectLst/>
+              </a:rPr>
+              <a:t>number of seconds can be fetched.</a:t>
+            </a:r>
+            <a:r>
+              <a:rPr lang="en-US" dirty="0"/>
+              <a:t/>
+            </a:r>
+            <a:br>
+              <a:rPr lang="en-US" dirty="0"/>
+            </a:br>
+            <a:r>
+              <a:rPr lang="en-US" b="0" i="0" dirty="0">
+                <a:effectLst/>
+              </a:rPr>
+              <a:t>The delta seconds for each question-answer is calculated</a:t>
+            </a:r>
+            <a:r>
+              <a:rPr lang="en-US" dirty="0"/>
+              <a:t/>
+            </a:r>
+            <a:br>
+              <a:rPr lang="en-US" dirty="0"/>
+            </a:br>
+            <a:r>
+              <a:rPr lang="en-US" b="0" i="0" dirty="0">
+                <a:effectLst/>
+              </a:rPr>
+              <a:t>and added to a global sum and finally the average is calculated.</a:t>
+            </a:r>
+            <a:endParaRPr lang="en-IN" dirty="0"/>
+          </a:p>
+        </p:txBody>
+      </p:sp>
+    </p:spTree>
+    <p:extLst>
+      <p:ext uri="{BB962C8B-B14F-4D97-AF65-F5344CB8AC3E}">
+        <p14:creationId xmlns:p14="http://schemas.microsoft.com/office/powerpoint/2010/main" val="346244590"/>
+      </p:ext>
+    </p:extLst>
+  </p:cSld>
+  <p:clrMapOvr>
+    <a:masterClrMapping/>
+  </p:clrMapOvr>
+</p:sld>
+</file>
+
+<file path=ppt/slides/slide16.xml><?xml version="1.0" encoding="utf-8"?>
+<p:sld xmlns:a="http://schemas.openxmlformats.org/drawingml/2006/main" xmlns:r="http://schemas.openxmlformats.org/officeDocument/2006/relationships" xmlns:p="http://schemas.openxmlformats.org/presentationml/2006/main">
+  <p:cSld>
+    <p:spTree>
+      <p:nvGrpSpPr>
+        <p:cNvPr id="1" name=""/>
+        <p:cNvGrpSpPr/>
+        <p:nvPr/>
+      </p:nvGrpSpPr>
+      <p:grpSpPr>
+        <a:xfrm>
+          <a:off x="0" y="0"/>
+          <a:ext cx="0" cy="0"/>
+          <a:chOff x="0" y="0"/>
+          <a:chExt cx="0" cy="0"/>
+        </a:xfrm>
+      </p:grpSpPr>
+      <p:sp>
+        <p:nvSpPr>
+          <p:cNvPr id="5" name="Title 1"/>
+          <p:cNvSpPr>
+            <a:spLocks noGrp="1"/>
+          </p:cNvSpPr>
+          <p:nvPr>
+            <p:ph type="title"/>
+          </p:nvPr>
+        </p:nvSpPr>
+        <p:spPr>
+          <a:xfrm>
+            <a:off x="427892" y="95495"/>
+            <a:ext cx="10515600" cy="1325563"/>
+          </a:xfrm>
+        </p:spPr>
+        <p:txBody>
+          <a:bodyPr/>
+          <a:lstStyle/>
+          <a:p>
+            <a:r>
+              <a:rPr lang="en-IN" dirty="0"/>
+              <a:t>System architecture</a:t>
+            </a:r>
+          </a:p>
+        </p:txBody>
+      </p:sp>
       <p:pic>
         <p:nvPicPr>
-          <p:cNvPr id="2050" name="Picture 2" descr="C:\Users\HP\Downloads\Blank diagram.png"/>
+          <p:cNvPr id="1026" name="Picture 2" descr="C:\Users\HP\Downloads\system (1).png"/>
           <p:cNvPicPr>
             <a:picLocks noChangeAspect="1" noChangeArrowheads="1"/>
           </p:cNvPicPr>
           <p:nvPr/>
         </p:nvPicPr>
         <p:blipFill>
-          <a:blip r:embed="rId2" cstate="print">
+          <a:blip r:embed="rId2">
             <a:extLst>
               <a:ext uri="{28A0092B-C50C-407E-A947-70E740481C1C}">
                 <a14:useLocalDpi xmlns:a14="http://schemas.microsoft.com/office/drawing/2010/main" val="0"/>
@@ -5813,8 +7086,8 @@
         </p:blipFill>
         <p:spPr bwMode="auto">
           <a:xfrm>
-            <a:off x="1532633" y="879231"/>
-            <a:ext cx="8519905" cy="5740521"/>
+            <a:off x="1430215" y="1023772"/>
+            <a:ext cx="8663353" cy="5834227"/>
           </a:xfrm>
           <a:prstGeom prst="rect">
             <a:avLst/>
@@ -5831,33 +7104,6 @@
           </a:extLst>
         </p:spPr>
       </p:pic>
-      <p:sp>
-        <p:nvSpPr>
-          <p:cNvPr id="5" name="Title 1"/>
-          <p:cNvSpPr>
-            <a:spLocks noGrp="1"/>
-          </p:cNvSpPr>
-          <p:nvPr>
-            <p:ph type="title"/>
-          </p:nvPr>
-        </p:nvSpPr>
-        <p:spPr>
-          <a:xfrm>
-            <a:off x="427892" y="95495"/>
-            <a:ext cx="10515600" cy="1325563"/>
-          </a:xfrm>
-        </p:spPr>
-        <p:txBody>
-          <a:bodyPr/>
-          <a:lstStyle/>
-          <a:p>
-            <a:r>
-              <a:rPr lang="en-IN" dirty="0"/>
-              <a:t>System architecture</a:t>
-            </a:r>
-          </a:p>
-        </p:txBody>
-      </p:sp>
     </p:spTree>
     <p:extLst>
       <p:ext uri="{BB962C8B-B14F-4D97-AF65-F5344CB8AC3E}">
@@ -5871,7 +7117,542 @@
 </p:sld>
 </file>
 
-<file path=ppt/slides/slide12.xml><?xml version="1.0" encoding="utf-8"?>
+<file path=ppt/slides/slide17.xml><?xml version="1.0" encoding="utf-8"?>
+<p:sld xmlns:a="http://schemas.openxmlformats.org/drawingml/2006/main" xmlns:r="http://schemas.openxmlformats.org/officeDocument/2006/relationships" xmlns:p="http://schemas.openxmlformats.org/presentationml/2006/main">
+  <p:cSld>
+    <p:spTree>
+      <p:nvGrpSpPr>
+        <p:cNvPr id="1" name=""/>
+        <p:cNvGrpSpPr/>
+        <p:nvPr/>
+      </p:nvGrpSpPr>
+      <p:grpSpPr>
+        <a:xfrm>
+          <a:off x="0" y="0"/>
+          <a:ext cx="0" cy="0"/>
+          <a:chOff x="0" y="0"/>
+          <a:chExt cx="0" cy="0"/>
+        </a:xfrm>
+      </p:grpSpPr>
+      <p:sp>
+        <p:nvSpPr>
+          <p:cNvPr id="2" name="Title 1"/>
+          <p:cNvSpPr>
+            <a:spLocks noGrp="1"/>
+          </p:cNvSpPr>
+          <p:nvPr>
+            <p:ph type="title"/>
+          </p:nvPr>
+        </p:nvSpPr>
+        <p:spPr/>
+        <p:txBody>
+          <a:bodyPr/>
+          <a:lstStyle/>
+          <a:p>
+            <a:r>
+              <a:rPr lang="en-IN" dirty="0"/>
+              <a:t>Results</a:t>
+            </a:r>
+            <a:endParaRPr lang="en-US" dirty="0"/>
+          </a:p>
+        </p:txBody>
+      </p:sp>
+      <p:pic>
+        <p:nvPicPr>
+          <p:cNvPr id="1030" name="Picture 6"/>
+          <p:cNvPicPr>
+            <a:picLocks noChangeAspect="1" noChangeArrowheads="1"/>
+          </p:cNvPicPr>
+          <p:nvPr/>
+        </p:nvPicPr>
+        <p:blipFill>
+          <a:blip r:embed="rId2"/>
+          <a:srcRect/>
+          <a:stretch>
+            <a:fillRect/>
+          </a:stretch>
+        </p:blipFill>
+        <p:spPr bwMode="auto">
+          <a:xfrm>
+            <a:off x="535577" y="2018831"/>
+            <a:ext cx="5421086" cy="1389895"/>
+          </a:xfrm>
+          <a:prstGeom prst="rect">
+            <a:avLst/>
+          </a:prstGeom>
+          <a:noFill/>
+          <a:ln w="9525">
+            <a:noFill/>
+            <a:miter lim="800000"/>
+            <a:headEnd/>
+            <a:tailEnd/>
+          </a:ln>
+          <a:effectLst/>
+        </p:spPr>
+      </p:pic>
+      <p:pic>
+        <p:nvPicPr>
+          <p:cNvPr id="1031" name="Picture 7"/>
+          <p:cNvPicPr>
+            <a:picLocks noChangeAspect="1" noChangeArrowheads="1"/>
+          </p:cNvPicPr>
+          <p:nvPr/>
+        </p:nvPicPr>
+        <p:blipFill>
+          <a:blip r:embed="rId3"/>
+          <a:srcRect/>
+          <a:stretch>
+            <a:fillRect/>
+          </a:stretch>
+        </p:blipFill>
+        <p:spPr bwMode="auto">
+          <a:xfrm>
+            <a:off x="6016463" y="1341300"/>
+            <a:ext cx="6175537" cy="2864940"/>
+          </a:xfrm>
+          <a:prstGeom prst="rect">
+            <a:avLst/>
+          </a:prstGeom>
+          <a:noFill/>
+          <a:ln w="9525">
+            <a:noFill/>
+            <a:miter lim="800000"/>
+            <a:headEnd/>
+            <a:tailEnd/>
+          </a:ln>
+          <a:effectLst/>
+        </p:spPr>
+      </p:pic>
+      <p:pic>
+        <p:nvPicPr>
+          <p:cNvPr id="1032" name="Picture 8"/>
+          <p:cNvPicPr>
+            <a:picLocks noChangeAspect="1" noChangeArrowheads="1"/>
+          </p:cNvPicPr>
+          <p:nvPr/>
+        </p:nvPicPr>
+        <p:blipFill>
+          <a:blip r:embed="rId4"/>
+          <a:srcRect/>
+          <a:stretch>
+            <a:fillRect/>
+          </a:stretch>
+        </p:blipFill>
+        <p:spPr bwMode="auto">
+          <a:xfrm>
+            <a:off x="332151" y="4151813"/>
+            <a:ext cx="8810625" cy="1219200"/>
+          </a:xfrm>
+          <a:prstGeom prst="rect">
+            <a:avLst/>
+          </a:prstGeom>
+          <a:noFill/>
+          <a:ln w="9525">
+            <a:noFill/>
+            <a:miter lim="800000"/>
+            <a:headEnd/>
+            <a:tailEnd/>
+          </a:ln>
+          <a:effectLst/>
+        </p:spPr>
+      </p:pic>
+    </p:spTree>
+  </p:cSld>
+  <p:clrMapOvr>
+    <a:masterClrMapping/>
+  </p:clrMapOvr>
+</p:sld>
+</file>
+
+<file path=ppt/slides/slide18.xml><?xml version="1.0" encoding="utf-8"?>
+<p:sld xmlns:a="http://schemas.openxmlformats.org/drawingml/2006/main" xmlns:r="http://schemas.openxmlformats.org/officeDocument/2006/relationships" xmlns:p="http://schemas.openxmlformats.org/presentationml/2006/main">
+  <p:cSld>
+    <p:spTree>
+      <p:nvGrpSpPr>
+        <p:cNvPr id="1" name=""/>
+        <p:cNvGrpSpPr/>
+        <p:nvPr/>
+      </p:nvGrpSpPr>
+      <p:grpSpPr>
+        <a:xfrm>
+          <a:off x="0" y="0"/>
+          <a:ext cx="0" cy="0"/>
+          <a:chOff x="0" y="0"/>
+          <a:chExt cx="0" cy="0"/>
+        </a:xfrm>
+      </p:grpSpPr>
+      <p:pic>
+        <p:nvPicPr>
+          <p:cNvPr id="2051" name="Picture 3"/>
+          <p:cNvPicPr>
+            <a:picLocks noChangeAspect="1" noChangeArrowheads="1"/>
+          </p:cNvPicPr>
+          <p:nvPr/>
+        </p:nvPicPr>
+        <p:blipFill>
+          <a:blip r:embed="rId2"/>
+          <a:srcRect/>
+          <a:stretch>
+            <a:fillRect/>
+          </a:stretch>
+        </p:blipFill>
+        <p:spPr bwMode="auto">
+          <a:xfrm>
+            <a:off x="225737" y="470264"/>
+            <a:ext cx="5729800" cy="2488882"/>
+          </a:xfrm>
+          <a:prstGeom prst="rect">
+            <a:avLst/>
+          </a:prstGeom>
+          <a:noFill/>
+          <a:ln w="9525">
+            <a:noFill/>
+            <a:miter lim="800000"/>
+            <a:headEnd/>
+            <a:tailEnd/>
+          </a:ln>
+          <a:effectLst/>
+        </p:spPr>
+      </p:pic>
+      <p:pic>
+        <p:nvPicPr>
+          <p:cNvPr id="2052" name="Picture 4"/>
+          <p:cNvPicPr>
+            <a:picLocks noChangeAspect="1" noChangeArrowheads="1"/>
+          </p:cNvPicPr>
+          <p:nvPr/>
+        </p:nvPicPr>
+        <p:blipFill>
+          <a:blip r:embed="rId3"/>
+          <a:srcRect/>
+          <a:stretch>
+            <a:fillRect/>
+          </a:stretch>
+        </p:blipFill>
+        <p:spPr bwMode="auto">
+          <a:xfrm>
+            <a:off x="5960291" y="0"/>
+            <a:ext cx="5957115" cy="2763610"/>
+          </a:xfrm>
+          <a:prstGeom prst="rect">
+            <a:avLst/>
+          </a:prstGeom>
+          <a:noFill/>
+          <a:ln w="9525">
+            <a:noFill/>
+            <a:miter lim="800000"/>
+            <a:headEnd/>
+            <a:tailEnd/>
+          </a:ln>
+          <a:effectLst/>
+        </p:spPr>
+      </p:pic>
+      <p:pic>
+        <p:nvPicPr>
+          <p:cNvPr id="2053" name="Picture 5"/>
+          <p:cNvPicPr>
+            <a:picLocks noChangeAspect="1" noChangeArrowheads="1"/>
+          </p:cNvPicPr>
+          <p:nvPr/>
+        </p:nvPicPr>
+        <p:blipFill>
+          <a:blip r:embed="rId4"/>
+          <a:srcRect/>
+          <a:stretch>
+            <a:fillRect/>
+          </a:stretch>
+        </p:blipFill>
+        <p:spPr bwMode="auto">
+          <a:xfrm>
+            <a:off x="0" y="3370216"/>
+            <a:ext cx="6463958" cy="2998743"/>
+          </a:xfrm>
+          <a:prstGeom prst="rect">
+            <a:avLst/>
+          </a:prstGeom>
+          <a:noFill/>
+          <a:ln w="9525">
+            <a:noFill/>
+            <a:miter lim="800000"/>
+            <a:headEnd/>
+            <a:tailEnd/>
+          </a:ln>
+          <a:effectLst/>
+        </p:spPr>
+      </p:pic>
+      <p:pic>
+        <p:nvPicPr>
+          <p:cNvPr id="2054" name="Picture 6"/>
+          <p:cNvPicPr>
+            <a:picLocks noChangeAspect="1" noChangeArrowheads="1"/>
+          </p:cNvPicPr>
+          <p:nvPr/>
+        </p:nvPicPr>
+        <p:blipFill>
+          <a:blip r:embed="rId5"/>
+          <a:srcRect/>
+          <a:stretch>
+            <a:fillRect/>
+          </a:stretch>
+        </p:blipFill>
+        <p:spPr bwMode="auto">
+          <a:xfrm>
+            <a:off x="6413118" y="3526972"/>
+            <a:ext cx="5744172" cy="2664822"/>
+          </a:xfrm>
+          <a:prstGeom prst="rect">
+            <a:avLst/>
+          </a:prstGeom>
+          <a:noFill/>
+          <a:ln w="9525">
+            <a:noFill/>
+            <a:miter lim="800000"/>
+            <a:headEnd/>
+            <a:tailEnd/>
+          </a:ln>
+          <a:effectLst/>
+        </p:spPr>
+      </p:pic>
+    </p:spTree>
+  </p:cSld>
+  <p:clrMapOvr>
+    <a:masterClrMapping/>
+  </p:clrMapOvr>
+</p:sld>
+</file>
+
+<file path=ppt/slides/slide19.xml><?xml version="1.0" encoding="utf-8"?>
+<p:sld xmlns:a="http://schemas.openxmlformats.org/drawingml/2006/main" xmlns:r="http://schemas.openxmlformats.org/officeDocument/2006/relationships" xmlns:p="http://schemas.openxmlformats.org/presentationml/2006/main">
+  <p:cSld>
+    <p:spTree>
+      <p:nvGrpSpPr>
+        <p:cNvPr id="1" name=""/>
+        <p:cNvGrpSpPr/>
+        <p:nvPr/>
+      </p:nvGrpSpPr>
+      <p:grpSpPr>
+        <a:xfrm>
+          <a:off x="0" y="0"/>
+          <a:ext cx="0" cy="0"/>
+          <a:chOff x="0" y="0"/>
+          <a:chExt cx="0" cy="0"/>
+        </a:xfrm>
+      </p:grpSpPr>
+      <p:pic>
+        <p:nvPicPr>
+          <p:cNvPr id="3074" name="Picture 2"/>
+          <p:cNvPicPr>
+            <a:picLocks noGrp="1" noChangeAspect="1" noChangeArrowheads="1"/>
+          </p:cNvPicPr>
+          <p:nvPr>
+            <p:ph idx="1"/>
+          </p:nvPr>
+        </p:nvPicPr>
+        <p:blipFill>
+          <a:blip r:embed="rId2"/>
+          <a:srcRect/>
+          <a:stretch>
+            <a:fillRect/>
+          </a:stretch>
+        </p:blipFill>
+        <p:spPr bwMode="auto">
+          <a:xfrm>
+            <a:off x="1178902" y="1084446"/>
+            <a:ext cx="10115550" cy="4286250"/>
+          </a:xfrm>
+          <a:prstGeom prst="rect">
+            <a:avLst/>
+          </a:prstGeom>
+          <a:noFill/>
+          <a:ln w="9525">
+            <a:noFill/>
+            <a:miter lim="800000"/>
+            <a:headEnd/>
+            <a:tailEnd/>
+          </a:ln>
+          <a:effectLst/>
+        </p:spPr>
+      </p:pic>
+    </p:spTree>
+  </p:cSld>
+  <p:clrMapOvr>
+    <a:masterClrMapping/>
+  </p:clrMapOvr>
+</p:sld>
+</file>
+
+<file path=ppt/slides/slide2.xml><?xml version="1.0" encoding="utf-8"?>
+<p:sld xmlns:a="http://schemas.openxmlformats.org/drawingml/2006/main" xmlns:r="http://schemas.openxmlformats.org/officeDocument/2006/relationships" xmlns:p="http://schemas.openxmlformats.org/presentationml/2006/main">
+  <p:cSld>
+    <p:spTree>
+      <p:nvGrpSpPr>
+        <p:cNvPr id="1" name=""/>
+        <p:cNvGrpSpPr/>
+        <p:nvPr/>
+      </p:nvGrpSpPr>
+      <p:grpSpPr>
+        <a:xfrm>
+          <a:off x="0" y="0"/>
+          <a:ext cx="0" cy="0"/>
+          <a:chOff x="0" y="0"/>
+          <a:chExt cx="0" cy="0"/>
+        </a:xfrm>
+      </p:grpSpPr>
+      <p:sp>
+        <p:nvSpPr>
+          <p:cNvPr id="2" name="Title 1"/>
+          <p:cNvSpPr>
+            <a:spLocks noGrp="1"/>
+          </p:cNvSpPr>
+          <p:nvPr>
+            <p:ph type="title"/>
+          </p:nvPr>
+        </p:nvSpPr>
+        <p:spPr/>
+        <p:txBody>
+          <a:bodyPr/>
+          <a:lstStyle/>
+          <a:p>
+            <a:r>
+              <a:rPr lang="en-IN" dirty="0"/>
+              <a:t>The TEAM</a:t>
+            </a:r>
+          </a:p>
+        </p:txBody>
+      </p:sp>
+      <p:sp>
+        <p:nvSpPr>
+          <p:cNvPr id="3" name="Content Placeholder 2"/>
+          <p:cNvSpPr>
+            <a:spLocks noGrp="1"/>
+          </p:cNvSpPr>
+          <p:nvPr>
+            <p:ph idx="1"/>
+          </p:nvPr>
+        </p:nvSpPr>
+        <p:spPr>
+          <a:xfrm>
+            <a:off x="838200" y="2646240"/>
+            <a:ext cx="10515600" cy="4351338"/>
+          </a:xfrm>
+        </p:spPr>
+        <p:txBody>
+          <a:bodyPr>
+            <a:normAutofit/>
+          </a:bodyPr>
+          <a:lstStyle/>
+          <a:p>
+            <a:r>
+              <a:rPr lang="en-IN" sz="4000" dirty="0"/>
+              <a:t>Balaji M, 19BCE1512</a:t>
+            </a:r>
+          </a:p>
+          <a:p>
+            <a:r>
+              <a:rPr lang="en-IN" sz="4000" dirty="0"/>
+              <a:t>S Vaibhave, 19BCE1401</a:t>
+            </a:r>
+          </a:p>
+          <a:p>
+            <a:r>
+              <a:rPr lang="en-IN" sz="4000" dirty="0"/>
+              <a:t>S Lakshman Rao, 19BCE1452</a:t>
+            </a:r>
+          </a:p>
+          <a:p>
+            <a:r>
+              <a:rPr lang="en-IN" sz="4000" dirty="0"/>
+              <a:t>Rahul Dakshnamoorthy, 19BCE1339</a:t>
+            </a:r>
+          </a:p>
+        </p:txBody>
+      </p:sp>
+    </p:spTree>
+    <p:extLst>
+      <p:ext uri="{BB962C8B-B14F-4D97-AF65-F5344CB8AC3E}">
+        <p14:creationId xmlns:p14="http://schemas.microsoft.com/office/powerpoint/2010/main" val="2282277800"/>
+      </p:ext>
+    </p:extLst>
+  </p:cSld>
+  <p:clrMapOvr>
+    <a:masterClrMapping/>
+  </p:clrMapOvr>
+</p:sld>
+</file>
+
+<file path=ppt/slides/slide20.xml><?xml version="1.0" encoding="utf-8"?>
+<p:sld xmlns:a="http://schemas.openxmlformats.org/drawingml/2006/main" xmlns:r="http://schemas.openxmlformats.org/officeDocument/2006/relationships" xmlns:p="http://schemas.openxmlformats.org/presentationml/2006/main">
+  <p:cSld>
+    <p:spTree>
+      <p:nvGrpSpPr>
+        <p:cNvPr id="1" name=""/>
+        <p:cNvGrpSpPr/>
+        <p:nvPr/>
+      </p:nvGrpSpPr>
+      <p:grpSpPr>
+        <a:xfrm>
+          <a:off x="0" y="0"/>
+          <a:ext cx="0" cy="0"/>
+          <a:chOff x="0" y="0"/>
+          <a:chExt cx="0" cy="0"/>
+        </a:xfrm>
+      </p:grpSpPr>
+      <p:sp>
+        <p:nvSpPr>
+          <p:cNvPr id="2" name="Title 1"/>
+          <p:cNvSpPr>
+            <a:spLocks noGrp="1"/>
+          </p:cNvSpPr>
+          <p:nvPr>
+            <p:ph type="title"/>
+          </p:nvPr>
+        </p:nvSpPr>
+        <p:spPr/>
+        <p:txBody>
+          <a:bodyPr/>
+          <a:lstStyle/>
+          <a:p>
+            <a:r>
+              <a:rPr lang="en-US" dirty="0"/>
+              <a:t>Conclusion</a:t>
+            </a:r>
+          </a:p>
+        </p:txBody>
+      </p:sp>
+      <p:sp>
+        <p:nvSpPr>
+          <p:cNvPr id="3" name="Content Placeholder 2"/>
+          <p:cNvSpPr>
+            <a:spLocks noGrp="1"/>
+          </p:cNvSpPr>
+          <p:nvPr>
+            <p:ph idx="1"/>
+          </p:nvPr>
+        </p:nvSpPr>
+        <p:spPr/>
+        <p:txBody>
+          <a:bodyPr/>
+          <a:lstStyle/>
+          <a:p>
+            <a:pPr>
+              <a:buNone/>
+            </a:pPr>
+            <a:r>
+              <a:rPr lang="en-US" dirty="0"/>
+              <a:t>  Online interviews are here to stay and tools like these would be useful for the future to come. Online meetings are dynamic in nature and cannot be measured with a few attributes however in this paper we used the most feasible attributes with respect to the audio and video of a meeting . The attributes along with supporting pie charts and bar graphs are generated and displayed for the interviewers to asses themselves as well as the candidate more accurately.</a:t>
+            </a:r>
+          </a:p>
+        </p:txBody>
+      </p:sp>
+    </p:spTree>
+  </p:cSld>
+  <p:clrMapOvr>
+    <a:masterClrMapping/>
+  </p:clrMapOvr>
+</p:sld>
+</file>
+
+<file path=ppt/slides/slide21.xml><?xml version="1.0" encoding="utf-8"?>
 <p:sld xmlns:a="http://schemas.openxmlformats.org/drawingml/2006/main" xmlns:r="http://schemas.openxmlformats.org/officeDocument/2006/relationships" xmlns:p="http://schemas.openxmlformats.org/presentationml/2006/main">
   <p:cSld>
     <p:bg>
@@ -5910,10 +7691,10 @@
           <p:cNvPr id="11" name="Group 10">
             <a:extLst>
               <a:ext uri="{FF2B5EF4-FFF2-40B4-BE49-F238E27FC236}">
-                <a16:creationId xmlns:a16="http://schemas.microsoft.com/office/drawing/2014/main" id="{62A21665-C64F-4BDA-B2DE-442D70605718}"/>
+                <a16:creationId xmlns:a16="http://schemas.microsoft.com/office/drawing/2014/main" xmlns="" id="{62A21665-C64F-4BDA-B2DE-442D70605718}"/>
               </a:ext>
               <a:ext uri="{C183D7F6-B498-43B3-948B-1728B52AA6E4}">
-                <adec:decorative xmlns:adec="http://schemas.microsoft.com/office/drawing/2017/decorative" val="1"/>
+                <adec:decorative xmlns:adec="http://schemas.microsoft.com/office/drawing/2017/decorative" xmlns="" val="1"/>
               </a:ext>
             </a:extLst>
           </p:cNvPr>
@@ -5933,7 +7714,7 @@
             <p:cNvPr id="12" name="Diamond 11">
               <a:extLst>
                 <a:ext uri="{FF2B5EF4-FFF2-40B4-BE49-F238E27FC236}">
-                  <a16:creationId xmlns:a16="http://schemas.microsoft.com/office/drawing/2014/main" id="{7DC8B409-5FAC-4539-B25A-26BE925A48AF}"/>
+                  <a16:creationId xmlns:a16="http://schemas.microsoft.com/office/drawing/2014/main" xmlns="" id="{7DC8B409-5FAC-4539-B25A-26BE925A48AF}"/>
                 </a:ext>
               </a:extLst>
             </p:cNvPr>
@@ -5985,7 +7766,7 @@
             <p:cNvPr id="13" name="Diamond 12">
               <a:extLst>
                 <a:ext uri="{FF2B5EF4-FFF2-40B4-BE49-F238E27FC236}">
-                  <a16:creationId xmlns:a16="http://schemas.microsoft.com/office/drawing/2014/main" id="{91498E2F-539C-46D3-AF7C-BB1DAE76B114}"/>
+                  <a16:creationId xmlns:a16="http://schemas.microsoft.com/office/drawing/2014/main" xmlns="" id="{91498E2F-539C-46D3-AF7C-BB1DAE76B114}"/>
                 </a:ext>
               </a:extLst>
             </p:cNvPr>
@@ -6038,7 +7819,7 @@
           <p:cNvPr id="15" name="Title 1">
             <a:extLst>
               <a:ext uri="{FF2B5EF4-FFF2-40B4-BE49-F238E27FC236}">
-                <a16:creationId xmlns:a16="http://schemas.microsoft.com/office/drawing/2014/main" id="{FA061601-468D-486D-B8EE-42BD1BE3ADCC}"/>
+                <a16:creationId xmlns:a16="http://schemas.microsoft.com/office/drawing/2014/main" xmlns="" id="{FA061601-468D-486D-B8EE-42BD1BE3ADCC}"/>
               </a:ext>
             </a:extLst>
           </p:cNvPr>
@@ -6081,133 +7862,6 @@
     <p:extLst>
       <p:ext uri="{BB962C8B-B14F-4D97-AF65-F5344CB8AC3E}">
         <p14:creationId xmlns:p14="http://schemas.microsoft.com/office/powerpoint/2010/main" val="1923038163"/>
-      </p:ext>
-    </p:extLst>
-  </p:cSld>
-  <p:clrMapOvr>
-    <a:masterClrMapping/>
-  </p:clrMapOvr>
-</p:sld>
-</file>
-
-<file path=ppt/slides/slide2.xml><?xml version="1.0" encoding="utf-8"?>
-<p:sld xmlns:a="http://schemas.openxmlformats.org/drawingml/2006/main" xmlns:r="http://schemas.openxmlformats.org/officeDocument/2006/relationships" xmlns:p="http://schemas.openxmlformats.org/presentationml/2006/main">
-  <p:cSld>
-    <p:spTree>
-      <p:nvGrpSpPr>
-        <p:cNvPr id="1" name=""/>
-        <p:cNvGrpSpPr/>
-        <p:nvPr/>
-      </p:nvGrpSpPr>
-      <p:grpSpPr>
-        <a:xfrm>
-          <a:off x="0" y="0"/>
-          <a:ext cx="0" cy="0"/>
-          <a:chOff x="0" y="0"/>
-          <a:chExt cx="0" cy="0"/>
-        </a:xfrm>
-      </p:grpSpPr>
-      <p:sp>
-        <p:nvSpPr>
-          <p:cNvPr id="2" name="Title 1"/>
-          <p:cNvSpPr>
-            <a:spLocks noGrp="1"/>
-          </p:cNvSpPr>
-          <p:nvPr>
-            <p:ph type="title"/>
-          </p:nvPr>
-        </p:nvSpPr>
-        <p:spPr/>
-        <p:txBody>
-          <a:bodyPr/>
-          <a:lstStyle/>
-          <a:p>
-            <a:r>
-              <a:rPr lang="en-IN" dirty="0"/>
-              <a:t>The TEAM</a:t>
-            </a:r>
-          </a:p>
-        </p:txBody>
-      </p:sp>
-      <p:sp>
-        <p:nvSpPr>
-          <p:cNvPr id="3" name="Content Placeholder 2"/>
-          <p:cNvSpPr>
-            <a:spLocks noGrp="1"/>
-          </p:cNvSpPr>
-          <p:nvPr>
-            <p:ph idx="1"/>
-          </p:nvPr>
-        </p:nvSpPr>
-        <p:spPr>
-          <a:xfrm>
-            <a:off x="838200" y="2646240"/>
-            <a:ext cx="10515600" cy="4351338"/>
-          </a:xfrm>
-        </p:spPr>
-        <p:txBody>
-          <a:bodyPr>
-            <a:normAutofit/>
-          </a:bodyPr>
-          <a:lstStyle/>
-          <a:p>
-            <a:r>
-              <a:rPr lang="en-IN" sz="4000" dirty="0" err="1"/>
-              <a:t>Balaji</a:t>
-            </a:r>
-            <a:r>
-              <a:rPr lang="en-IN" sz="4000" dirty="0"/>
-              <a:t> M, 19BCE1512</a:t>
-            </a:r>
-          </a:p>
-          <a:p>
-            <a:r>
-              <a:rPr lang="en-IN" sz="4000" dirty="0"/>
-              <a:t>S Vaibhave, 19BCE1401</a:t>
-            </a:r>
-          </a:p>
-          <a:p>
-            <a:r>
-              <a:rPr lang="en-IN" sz="4000" dirty="0"/>
-              <a:t>S </a:t>
-            </a:r>
-            <a:r>
-              <a:rPr lang="en-IN" sz="4000" dirty="0" err="1"/>
-              <a:t>Lakshman</a:t>
-            </a:r>
-            <a:r>
-              <a:rPr lang="en-IN" sz="4000" dirty="0"/>
-              <a:t> </a:t>
-            </a:r>
-            <a:r>
-              <a:rPr lang="en-IN" sz="4000" dirty="0" err="1"/>
-              <a:t>Rao</a:t>
-            </a:r>
-            <a:r>
-              <a:rPr lang="en-IN" sz="4000" dirty="0"/>
-              <a:t>, 19BCE</a:t>
-            </a:r>
-          </a:p>
-          <a:p>
-            <a:r>
-              <a:rPr lang="en-IN" sz="4000" dirty="0"/>
-              <a:t>Rahul </a:t>
-            </a:r>
-            <a:r>
-              <a:rPr lang="en-IN" sz="4000" dirty="0" err="1"/>
-              <a:t>Dakshinamoorthy</a:t>
-            </a:r>
-            <a:r>
-              <a:rPr lang="en-IN" sz="4000" dirty="0"/>
-              <a:t>, 19BCE</a:t>
-            </a:r>
-          </a:p>
-        </p:txBody>
-      </p:sp>
-    </p:spTree>
-    <p:extLst>
-      <p:ext uri="{BB962C8B-B14F-4D97-AF65-F5344CB8AC3E}">
-        <p14:creationId xmlns:p14="http://schemas.microsoft.com/office/powerpoint/2010/main" val="2282277800"/>
       </p:ext>
     </p:extLst>
   </p:cSld>
@@ -6239,7 +7893,7 @@
           <p:cNvPr id="2" name="Title 1">
             <a:extLst>
               <a:ext uri="{FF2B5EF4-FFF2-40B4-BE49-F238E27FC236}">
-                <a16:creationId xmlns:a16="http://schemas.microsoft.com/office/drawing/2014/main" id="{3E43B823-9A33-C3E2-400E-7C1DC59DE408}"/>
+                <a16:creationId xmlns:a16="http://schemas.microsoft.com/office/drawing/2014/main" xmlns="" id="{3E43B823-9A33-C3E2-400E-7C1DC59DE408}"/>
               </a:ext>
             </a:extLst>
           </p:cNvPr>
@@ -6268,7 +7922,7 @@
           <p:cNvPr id="3" name="Content Placeholder 2">
             <a:extLst>
               <a:ext uri="{FF2B5EF4-FFF2-40B4-BE49-F238E27FC236}">
-                <a16:creationId xmlns:a16="http://schemas.microsoft.com/office/drawing/2014/main" id="{B29925CA-F3EB-9433-234B-48BBBF6B5C9F}"/>
+                <a16:creationId xmlns:a16="http://schemas.microsoft.com/office/drawing/2014/main" xmlns="" id="{B29925CA-F3EB-9433-234B-48BBBF6B5C9F}"/>
               </a:ext>
             </a:extLst>
           </p:cNvPr>
@@ -6348,7 +8002,7 @@
           <p:cNvPr id="2" name="Title 1">
             <a:extLst>
               <a:ext uri="{FF2B5EF4-FFF2-40B4-BE49-F238E27FC236}">
-                <a16:creationId xmlns:a16="http://schemas.microsoft.com/office/drawing/2014/main" id="{2987CAEF-C92C-61A0-A102-0709EAA0967C}"/>
+                <a16:creationId xmlns:a16="http://schemas.microsoft.com/office/drawing/2014/main" xmlns="" id="{2987CAEF-C92C-61A0-A102-0709EAA0967C}"/>
               </a:ext>
             </a:extLst>
           </p:cNvPr>
@@ -6377,7 +8031,7 @@
           <p:cNvPr id="3" name="Content Placeholder 2">
             <a:extLst>
               <a:ext uri="{FF2B5EF4-FFF2-40B4-BE49-F238E27FC236}">
-                <a16:creationId xmlns:a16="http://schemas.microsoft.com/office/drawing/2014/main" id="{50C19C86-20B8-6101-02C5-9CB50D8ECA4F}"/>
+                <a16:creationId xmlns:a16="http://schemas.microsoft.com/office/drawing/2014/main" xmlns="" id="{50C19C86-20B8-6101-02C5-9CB50D8ECA4F}"/>
               </a:ext>
             </a:extLst>
           </p:cNvPr>
@@ -6388,7 +8042,12 @@
             <p:ph idx="1"/>
           </p:nvPr>
         </p:nvSpPr>
-        <p:spPr/>
+        <p:spPr>
+          <a:xfrm>
+            <a:off x="410308" y="1711570"/>
+            <a:ext cx="11430000" cy="4865076"/>
+          </a:xfrm>
+        </p:spPr>
         <p:txBody>
           <a:bodyPr>
             <a:normAutofit fontScale="85000" lnSpcReduction="20000"/>
@@ -6397,7 +8056,18 @@
           <a:p>
             <a:r>
               <a:rPr lang="en-US" dirty="0"/>
-              <a:t>Focus is a Deep learning based system which can perform emotion detection on the video recording of the online interview and classify the audio files of the online interview based on their interactivity. The system is implemented using various libraries and Packages in Python. We start off by collecting our data i.e. video and audio of the online interview recordings from various sources. The next step is to apply various combinations image processing techniques like thresholding, </a:t>
+              <a:t>Focus is a Deep learning based system which can perform emotion detection on the video recording of the online interview and classify the audio files of the online interview based on their interactivity. The system is implemented using various libraries and Packages in Python. </a:t>
+            </a:r>
+            <a:endParaRPr lang="en-US" dirty="0" smtClean="0"/>
+          </a:p>
+          <a:p>
+            <a:r>
+              <a:rPr lang="en-US" dirty="0" smtClean="0"/>
+              <a:t>We </a:t>
+            </a:r>
+            <a:r>
+              <a:rPr lang="en-US" dirty="0"/>
+              <a:t>start off by collecting our data i.e. video and audio of the online interview recordings from various sources. The next step is to apply various combinations image processing techniques like thresholding, </a:t>
             </a:r>
             <a:r>
               <a:rPr lang="en-US" dirty="0" err="1"/>
@@ -6405,7 +8075,18 @@
             </a:r>
             <a:r>
               <a:rPr lang="en-US" dirty="0"/>
-              <a:t> etc. We train the CNN model used for emotion detection with each combination and record the </a:t>
+              <a:t> etc. </a:t>
+            </a:r>
+            <a:endParaRPr lang="en-US" dirty="0" smtClean="0"/>
+          </a:p>
+          <a:p>
+            <a:r>
+              <a:rPr lang="en-US" dirty="0" smtClean="0"/>
+              <a:t>We </a:t>
+            </a:r>
+            <a:r>
+              <a:rPr lang="en-US" dirty="0"/>
+              <a:t>train the CNN model used for emotion detection with each combination and record the </a:t>
             </a:r>
             <a:r>
               <a:rPr lang="en-US" dirty="0" err="1"/>
@@ -6429,7 +8110,18 @@
             </a:r>
             <a:r>
               <a:rPr lang="en-US" dirty="0"/>
-              <a:t> library. The next stage involves classification of the questions based on trivialness and identifying the involvement of the interviewee.</a:t>
+              <a:t> library. </a:t>
+            </a:r>
+            <a:endParaRPr lang="en-US" dirty="0" smtClean="0"/>
+          </a:p>
+          <a:p>
+            <a:r>
+              <a:rPr lang="en-US" dirty="0" smtClean="0"/>
+              <a:t>The </a:t>
+            </a:r>
+            <a:r>
+              <a:rPr lang="en-US" dirty="0"/>
+              <a:t>next stage involves classification of the questions based on trivialness and identifying the involvement of the interviewee.</a:t>
             </a:r>
             <a:endParaRPr lang="en-IN" dirty="0"/>
           </a:p>
@@ -6470,7 +8162,7 @@
           <p:cNvPr id="2" name="Title 1">
             <a:extLst>
               <a:ext uri="{FF2B5EF4-FFF2-40B4-BE49-F238E27FC236}">
-                <a16:creationId xmlns:a16="http://schemas.microsoft.com/office/drawing/2014/main" id="{F8786DE6-CFDF-2A2E-DDB1-7CD9C33478FD}"/>
+                <a16:creationId xmlns:a16="http://schemas.microsoft.com/office/drawing/2014/main" xmlns="" id="{F8786DE6-CFDF-2A2E-DDB1-7CD9C33478FD}"/>
               </a:ext>
             </a:extLst>
           </p:cNvPr>
@@ -6499,7 +8191,7 @@
           <p:cNvPr id="3" name="Content Placeholder 2">
             <a:extLst>
               <a:ext uri="{FF2B5EF4-FFF2-40B4-BE49-F238E27FC236}">
-                <a16:creationId xmlns:a16="http://schemas.microsoft.com/office/drawing/2014/main" id="{74279477-45DB-983C-786F-5964DF656BA7}"/>
+                <a16:creationId xmlns:a16="http://schemas.microsoft.com/office/drawing/2014/main" xmlns="" id="{74279477-45DB-983C-786F-5964DF656BA7}"/>
               </a:ext>
             </a:extLst>
           </p:cNvPr>
@@ -6586,7 +8278,7 @@
           <p:cNvPr id="3" name="Content Placeholder 2">
             <a:extLst>
               <a:ext uri="{FF2B5EF4-FFF2-40B4-BE49-F238E27FC236}">
-                <a16:creationId xmlns:a16="http://schemas.microsoft.com/office/drawing/2014/main" id="{BE763358-6AD1-7959-4FEA-1C0DA1743D5B}"/>
+                <a16:creationId xmlns:a16="http://schemas.microsoft.com/office/drawing/2014/main" xmlns="" id="{BE763358-6AD1-7959-4FEA-1C0DA1743D5B}"/>
               </a:ext>
             </a:extLst>
           </p:cNvPr>
@@ -6599,13 +8291,13 @@
         </p:nvSpPr>
         <p:spPr>
           <a:xfrm>
-            <a:off x="838200" y="1407459"/>
-            <a:ext cx="10515600" cy="4769504"/>
+            <a:off x="885092" y="973705"/>
+            <a:ext cx="10615246" cy="5216080"/>
           </a:xfrm>
         </p:spPr>
         <p:txBody>
           <a:bodyPr>
-            <a:normAutofit fontScale="92500"/>
+            <a:normAutofit fontScale="92500" lnSpcReduction="10000"/>
           </a:bodyPr>
           <a:lstStyle/>
           <a:p>
@@ -6623,17 +8315,37 @@
           <a:p>
             <a:r>
               <a:rPr lang="en-US" dirty="0"/>
-              <a:t>Percentage of interesting questions</a:t>
+              <a:t>Percentage of interesting </a:t>
+            </a:r>
+            <a:r>
+              <a:rPr lang="en-US" dirty="0" smtClean="0"/>
+              <a:t>questions</a:t>
             </a:r>
           </a:p>
           <a:p>
             <a:pPr marL="0" indent="0">
               <a:buNone/>
             </a:pPr>
+            <a:endParaRPr lang="en-US" dirty="0"/>
+          </a:p>
+          <a:p>
+            <a:pPr marL="0" indent="0">
+              <a:buNone/>
+            </a:pPr>
             <a:r>
               <a:rPr lang="en-US" dirty="0"/>
-              <a:t>The modules which we employ are:</a:t>
-            </a:r>
+              <a:t>The modules which we employ are</a:t>
+            </a:r>
+            <a:r>
+              <a:rPr lang="en-US" dirty="0" smtClean="0"/>
+              <a:t>:</a:t>
+            </a:r>
+          </a:p>
+          <a:p>
+            <a:pPr marL="0" indent="0">
+              <a:buNone/>
+            </a:pPr>
+            <a:endParaRPr lang="en-US" dirty="0"/>
           </a:p>
           <a:p>
             <a:pPr marL="0" indent="0">
@@ -6715,7 +8427,7 @@
           <p:cNvPr id="3" name="Content Placeholder 2">
             <a:extLst>
               <a:ext uri="{FF2B5EF4-FFF2-40B4-BE49-F238E27FC236}">
-                <a16:creationId xmlns:a16="http://schemas.microsoft.com/office/drawing/2014/main" id="{AD5092B4-DCDF-80A7-6FB0-0E7BE7411940}"/>
+                <a16:creationId xmlns:a16="http://schemas.microsoft.com/office/drawing/2014/main" xmlns="" id="{AD5092B4-DCDF-80A7-6FB0-0E7BE7411940}"/>
               </a:ext>
             </a:extLst>
           </p:cNvPr>
@@ -6851,7 +8563,7 @@
           <p:cNvPr id="3" name="Content Placeholder 2">
             <a:extLst>
               <a:ext uri="{FF2B5EF4-FFF2-40B4-BE49-F238E27FC236}">
-                <a16:creationId xmlns:a16="http://schemas.microsoft.com/office/drawing/2014/main" id="{70EEB586-703E-A18B-31F4-EA0487ADEF7D}"/>
+                <a16:creationId xmlns:a16="http://schemas.microsoft.com/office/drawing/2014/main" xmlns="" id="{70EEB586-703E-A18B-31F4-EA0487ADEF7D}"/>
               </a:ext>
             </a:extLst>
           </p:cNvPr>
@@ -6878,12 +8590,8 @@
               <a:buNone/>
             </a:pPr>
             <a:r>
-              <a:rPr lang="en-US" dirty="0" err="1"/>
-              <a:t>MaxP</a:t>
-            </a:r>
-            <a:r>
               <a:rPr lang="en-US" dirty="0"/>
-              <a:t> ool2D((2, 2)))</a:t>
+              <a:t>MaxPool2D((2, 2)))</a:t>
             </a:r>
           </a:p>
           <a:p>
@@ -6944,7 +8652,7 @@
           <p:cNvPr id="3" name="Content Placeholder 2">
             <a:extLst>
               <a:ext uri="{FF2B5EF4-FFF2-40B4-BE49-F238E27FC236}">
-                <a16:creationId xmlns:a16="http://schemas.microsoft.com/office/drawing/2014/main" id="{A47DE0B6-35F5-9B0C-DEB7-1A7F79930F2B}"/>
+                <a16:creationId xmlns:a16="http://schemas.microsoft.com/office/drawing/2014/main" xmlns="" id="{A47DE0B6-35F5-9B0C-DEB7-1A7F79930F2B}"/>
               </a:ext>
             </a:extLst>
           </p:cNvPr>
@@ -7001,7 +8709,7 @@
           <p:cNvPr id="5" name="AutoShape 4">
             <a:extLst>
               <a:ext uri="{FF2B5EF4-FFF2-40B4-BE49-F238E27FC236}">
-                <a16:creationId xmlns:a16="http://schemas.microsoft.com/office/drawing/2014/main" id="{152083E1-C794-6A37-C535-26C483AFD9CF}"/>
+                <a16:creationId xmlns:a16="http://schemas.microsoft.com/office/drawing/2014/main" xmlns="" id="{152083E1-C794-6A37-C535-26C483AFD9CF}"/>
               </a:ext>
             </a:extLst>
           </p:cNvPr>
@@ -7046,7 +8754,7 @@
           <p:cNvPr id="8" name="Picture 7">
             <a:extLst>
               <a:ext uri="{FF2B5EF4-FFF2-40B4-BE49-F238E27FC236}">
-                <a16:creationId xmlns:a16="http://schemas.microsoft.com/office/drawing/2014/main" id="{83AC8CE9-B96C-B747-823F-90C5364A5CD8}"/>
+                <a16:creationId xmlns:a16="http://schemas.microsoft.com/office/drawing/2014/main" xmlns="" id="{83AC8CE9-B96C-B747-823F-90C5364A5CD8}"/>
               </a:ext>
             </a:extLst>
           </p:cNvPr>
@@ -7063,14 +8771,60 @@
         </p:blipFill>
         <p:spPr>
           <a:xfrm>
-            <a:off x="1064070" y="3581400"/>
-            <a:ext cx="6119390" cy="1272650"/>
+            <a:off x="1544716" y="3733800"/>
+            <a:ext cx="8032588" cy="1670538"/>
           </a:xfrm>
           <a:prstGeom prst="rect">
             <a:avLst/>
           </a:prstGeom>
         </p:spPr>
       </p:pic>
+      <p:sp>
+        <p:nvSpPr>
+          <p:cNvPr id="6" name="TextBox 5">
+            <a:extLst>
+              <a:ext uri="{FF2B5EF4-FFF2-40B4-BE49-F238E27FC236}">
+                <a16:creationId xmlns:a16="http://schemas.microsoft.com/office/drawing/2014/main" xmlns="" id="{8F60C047-1135-1181-71A7-26664C8DEE35}"/>
+              </a:ext>
+            </a:extLst>
+          </p:cNvPr>
+          <p:cNvSpPr txBox="1"/>
+          <p:nvPr/>
+        </p:nvSpPr>
+        <p:spPr>
+          <a:xfrm>
+            <a:off x="3697040" y="5616027"/>
+            <a:ext cx="6096000" cy="369332"/>
+          </a:xfrm>
+          <a:prstGeom prst="rect">
+            <a:avLst/>
+          </a:prstGeom>
+          <a:noFill/>
+        </p:spPr>
+        <p:txBody>
+          <a:bodyPr wrap="square">
+            <a:spAutoFit/>
+          </a:bodyPr>
+          <a:lstStyle/>
+          <a:p>
+            <a:r>
+              <a:rPr lang="en-US" b="0" i="0" dirty="0">
+                <a:effectLst/>
+                <a:latin typeface="Arial" panose="020B0604020202020204" pitchFamily="34" charset="0"/>
+              </a:rPr>
+              <a:t>Fig. </a:t>
+            </a:r>
+            <a:r>
+              <a:rPr lang="en-US" b="0" i="0" dirty="0" smtClean="0">
+                <a:effectLst/>
+                <a:latin typeface="Arial" panose="020B0604020202020204" pitchFamily="34" charset="0"/>
+              </a:rPr>
+              <a:t>1: Accuracy of the model</a:t>
+            </a:r>
+            <a:endParaRPr lang="en-IN" dirty="0"/>
+          </a:p>
+        </p:txBody>
+      </p:sp>
     </p:spTree>
     <p:extLst>
       <p:ext uri="{BB962C8B-B14F-4D97-AF65-F5344CB8AC3E}">
@@ -7279,7 +9033,7 @@
   <a:extraClrSchemeLst/>
   <a:extLst>
     <a:ext uri="{05A4C25C-085E-4340-85A3-A5531E510DB2}">
-      <thm15:themeFamily xmlns:thm15="http://schemas.microsoft.com/office/thememl/2012/main" name="TM78455520_Project analysis, from 24Slides_SL_V1.potx" id="{55E7247F-78B2-40DB-9AFE-D4DD42FA8F09}" vid="{22E2FD65-A32D-4798-AF43-CE42F250BDDF}"/>
+      <thm15:themeFamily xmlns:thm15="http://schemas.microsoft.com/office/thememl/2012/main" xmlns="" name="TM78455520_Project analysis, from 24Slides_SL_V1.potx" id="{55E7247F-78B2-40DB-9AFE-D4DD42FA8F09}" vid="{22E2FD65-A32D-4798-AF43-CE42F250BDDF}"/>
     </a:ext>
   </a:extLst>
 </a:theme>
@@ -7574,7 +9328,7 @@
   <a:extraClrSchemeLst/>
   <a:extLst>
     <a:ext uri="{05A4C25C-085E-4340-85A3-A5531E510DB2}">
-      <thm15:themeFamily xmlns:thm15="http://schemas.microsoft.com/office/thememl/2012/main" name="Office Theme" id="{62F939B6-93AF-4DB8-9C6B-D6C7DFDC589F}" vid="{4A3C46E8-61CC-4603-A589-7422A47A8E4A}"/>
+      <thm15:themeFamily xmlns:thm15="http://schemas.microsoft.com/office/thememl/2012/main" xmlns="" name="Office Theme" id="{62F939B6-93AF-4DB8-9C6B-D6C7DFDC589F}" vid="{4A3C46E8-61CC-4603-A589-7422A47A8E4A}"/>
     </a:ext>
   </a:extLst>
 </a:theme>
@@ -7869,7 +9623,7 @@
   <a:extraClrSchemeLst/>
   <a:extLst>
     <a:ext uri="{05A4C25C-085E-4340-85A3-A5531E510DB2}">
-      <thm15:themeFamily xmlns:thm15="http://schemas.microsoft.com/office/thememl/2012/main" name="Office Theme" id="{62F939B6-93AF-4DB8-9C6B-D6C7DFDC589F}" vid="{4A3C46E8-61CC-4603-A589-7422A47A8E4A}"/>
+      <thm15:themeFamily xmlns:thm15="http://schemas.microsoft.com/office/thememl/2012/main" xmlns="" name="Office Theme" id="{62F939B6-93AF-4DB8-9C6B-D6C7DFDC589F}" vid="{4A3C46E8-61CC-4603-A589-7422A47A8E4A}"/>
     </a:ext>
   </a:extLst>
 </a:theme>
@@ -8087,20 +9841,20 @@
 </file>
 
 <file path=customXml/item2.xml><?xml version="1.0" encoding="utf-8"?>
-<p:properties xmlns:p="http://schemas.microsoft.com/office/2006/metadata/properties" xmlns:xsi="http://www.w3.org/2001/XMLSchema-instance" xmlns:pc="http://schemas.microsoft.com/office/infopath/2007/PartnerControls">
-  <documentManagement>
-    <MediaServiceKeyPoints xmlns="71af3243-3dd4-4a8d-8c0d-dd76da1f02a5" xsi:nil="true"/>
-  </documentManagement>
-</p:properties>
-</file>
-
-<file path=customXml/item3.xml><?xml version="1.0" encoding="utf-8"?>
 <?mso-contentType ?>
 <FormTemplates xmlns="http://schemas.microsoft.com/sharepoint/v3/contenttype/forms">
   <Display>DocumentLibraryForm</Display>
   <Edit>DocumentLibraryForm</Edit>
   <New>DocumentLibraryForm</New>
 </FormTemplates>
+</file>
+
+<file path=customXml/item3.xml><?xml version="1.0" encoding="utf-8"?>
+<p:properties xmlns:p="http://schemas.microsoft.com/office/2006/metadata/properties" xmlns:xsi="http://www.w3.org/2001/XMLSchema-instance" xmlns:pc="http://schemas.microsoft.com/office/infopath/2007/PartnerControls">
+  <documentManagement>
+    <MediaServiceKeyPoints xmlns="71af3243-3dd4-4a8d-8c0d-dd76da1f02a5" xsi:nil="true"/>
+  </documentManagement>
+</p:properties>
 </file>
 
 <file path=customXml/itemProps1.xml><?xml version="1.0" encoding="utf-8"?>
@@ -8123,6 +9877,14 @@
 </file>
 
 <file path=customXml/itemProps2.xml><?xml version="1.0" encoding="utf-8"?>
+<ds:datastoreItem xmlns:ds="http://schemas.openxmlformats.org/officeDocument/2006/customXml" ds:itemID="{2FD05317-60D6-4B3A-8545-888496D1A8EC}">
+  <ds:schemaRefs>
+    <ds:schemaRef ds:uri="http://schemas.microsoft.com/sharepoint/v3/contenttype/forms"/>
+  </ds:schemaRefs>
+</ds:datastoreItem>
+</file>
+
+<file path=customXml/itemProps3.xml><?xml version="1.0" encoding="utf-8"?>
 <ds:datastoreItem xmlns:ds="http://schemas.openxmlformats.org/officeDocument/2006/customXml" ds:itemID="{EF609EDA-869E-4BE5-AE5D-B898C584B6FF}">
   <ds:schemaRefs>
     <ds:schemaRef ds:uri="http://schemas.microsoft.com/office/2006/metadata/properties"/>
@@ -8137,12 +9899,4 @@
     <ds:schemaRef ds:uri="http://www.w3.org/XML/1998/namespace"/>
   </ds:schemaRefs>
 </ds:datastoreItem>
-</file>
-
-<file path=customXml/itemProps3.xml><?xml version="1.0" encoding="utf-8"?>
-<ds:datastoreItem xmlns:ds="http://schemas.openxmlformats.org/officeDocument/2006/customXml" ds:itemID="{2FD05317-60D6-4B3A-8545-888496D1A8EC}">
-  <ds:schemaRefs>
-    <ds:schemaRef ds:uri="http://schemas.microsoft.com/sharepoint/v3/contenttype/forms"/>
-  </ds:schemaRefs>
-</ds:datastoreItem>
 </file>